--- a/DOC/사성제.pptx
+++ b/DOC/사성제.pptx
@@ -8,6 +8,14 @@
     <p:sldId id="256" r:id="rId2"/>
     <p:sldId id="257" r:id="rId3"/>
     <p:sldId id="259" r:id="rId4"/>
+    <p:sldId id="268" r:id="rId5"/>
+    <p:sldId id="267" r:id="rId6"/>
+    <p:sldId id="266" r:id="rId7"/>
+    <p:sldId id="265" r:id="rId8"/>
+    <p:sldId id="264" r:id="rId9"/>
+    <p:sldId id="263" r:id="rId10"/>
+    <p:sldId id="262" r:id="rId11"/>
+    <p:sldId id="261" r:id="rId12"/>
   </p:sldIdLst>
   <p:sldSz cx="9144000" cy="6858000" type="screen4x3"/>
   <p:notesSz cx="6858000" cy="9144000"/>
@@ -156,7 +164,7 @@
           </a:lstStyle>
           <a:p>
             <a:r>
-              <a:rPr lang="ko-KR" altLang="en-US" smtClean="0"/>
+              <a:rPr lang="ko-KR" altLang="en-US"/>
               <a:t>마스터 제목 스타일 편집</a:t>
             </a:r>
             <a:endParaRPr lang="en-US" dirty="0"/>
@@ -221,7 +229,7 @@
           </a:lstStyle>
           <a:p>
             <a:r>
-              <a:rPr lang="ko-KR" altLang="en-US" smtClean="0"/>
+              <a:rPr lang="ko-KR" altLang="en-US"/>
               <a:t>클릭하여 마스터 부제목 스타일 편집</a:t>
             </a:r>
             <a:endParaRPr lang="en-US" dirty="0"/>
@@ -245,7 +253,7 @@
           <a:p>
             <a:fld id="{FB3B8A5E-471F-429F-9BA1-77FBE3424E98}" type="datetimeFigureOut">
               <a:rPr lang="ko-KR" altLang="en-US" smtClean="0"/>
-              <a:t>2022-07-29</a:t>
+              <a:t>2022-07-31</a:t>
             </a:fld>
             <a:endParaRPr lang="ko-KR" altLang="en-US"/>
           </a:p>
@@ -339,7 +347,7 @@
           <a:lstStyle/>
           <a:p>
             <a:r>
-              <a:rPr lang="ko-KR" altLang="en-US" smtClean="0"/>
+              <a:rPr lang="ko-KR" altLang="en-US"/>
               <a:t>마스터 제목 스타일 편집</a:t>
             </a:r>
             <a:endParaRPr lang="en-US" dirty="0"/>
@@ -363,35 +371,35 @@
           <a:p>
             <a:pPr lvl="0"/>
             <a:r>
-              <a:rPr lang="ko-KR" altLang="en-US" smtClean="0"/>
+              <a:rPr lang="ko-KR" altLang="en-US"/>
               <a:t>마스터 텍스트 스타일 편집</a:t>
             </a:r>
           </a:p>
           <a:p>
             <a:pPr lvl="1"/>
             <a:r>
-              <a:rPr lang="ko-KR" altLang="en-US" smtClean="0"/>
+              <a:rPr lang="ko-KR" altLang="en-US"/>
               <a:t>둘째 수준</a:t>
             </a:r>
           </a:p>
           <a:p>
             <a:pPr lvl="2"/>
             <a:r>
-              <a:rPr lang="ko-KR" altLang="en-US" smtClean="0"/>
+              <a:rPr lang="ko-KR" altLang="en-US"/>
               <a:t>셋째 수준</a:t>
             </a:r>
           </a:p>
           <a:p>
             <a:pPr lvl="3"/>
             <a:r>
-              <a:rPr lang="ko-KR" altLang="en-US" smtClean="0"/>
+              <a:rPr lang="ko-KR" altLang="en-US"/>
               <a:t>넷째 수준</a:t>
             </a:r>
           </a:p>
           <a:p>
             <a:pPr lvl="4"/>
             <a:r>
-              <a:rPr lang="ko-KR" altLang="en-US" smtClean="0"/>
+              <a:rPr lang="ko-KR" altLang="en-US"/>
               <a:t>다섯째 수준</a:t>
             </a:r>
             <a:endParaRPr lang="en-US" dirty="0"/>
@@ -415,7 +423,7 @@
           <a:p>
             <a:fld id="{FB3B8A5E-471F-429F-9BA1-77FBE3424E98}" type="datetimeFigureOut">
               <a:rPr lang="ko-KR" altLang="en-US" smtClean="0"/>
-              <a:t>2022-07-29</a:t>
+              <a:t>2022-07-31</a:t>
             </a:fld>
             <a:endParaRPr lang="ko-KR" altLang="en-US"/>
           </a:p>
@@ -514,7 +522,7 @@
           <a:lstStyle/>
           <a:p>
             <a:r>
-              <a:rPr lang="ko-KR" altLang="en-US" smtClean="0"/>
+              <a:rPr lang="ko-KR" altLang="en-US"/>
               <a:t>마스터 제목 스타일 편집</a:t>
             </a:r>
             <a:endParaRPr lang="en-US" dirty="0"/>
@@ -543,35 +551,35 @@
           <a:p>
             <a:pPr lvl="0"/>
             <a:r>
-              <a:rPr lang="ko-KR" altLang="en-US" smtClean="0"/>
+              <a:rPr lang="ko-KR" altLang="en-US"/>
               <a:t>마스터 텍스트 스타일 편집</a:t>
             </a:r>
           </a:p>
           <a:p>
             <a:pPr lvl="1"/>
             <a:r>
-              <a:rPr lang="ko-KR" altLang="en-US" smtClean="0"/>
+              <a:rPr lang="ko-KR" altLang="en-US"/>
               <a:t>둘째 수준</a:t>
             </a:r>
           </a:p>
           <a:p>
             <a:pPr lvl="2"/>
             <a:r>
-              <a:rPr lang="ko-KR" altLang="en-US" smtClean="0"/>
+              <a:rPr lang="ko-KR" altLang="en-US"/>
               <a:t>셋째 수준</a:t>
             </a:r>
           </a:p>
           <a:p>
             <a:pPr lvl="3"/>
             <a:r>
-              <a:rPr lang="ko-KR" altLang="en-US" smtClean="0"/>
+              <a:rPr lang="ko-KR" altLang="en-US"/>
               <a:t>넷째 수준</a:t>
             </a:r>
           </a:p>
           <a:p>
             <a:pPr lvl="4"/>
             <a:r>
-              <a:rPr lang="ko-KR" altLang="en-US" smtClean="0"/>
+              <a:rPr lang="ko-KR" altLang="en-US"/>
               <a:t>다섯째 수준</a:t>
             </a:r>
             <a:endParaRPr lang="en-US" dirty="0"/>
@@ -595,7 +603,7 @@
           <a:p>
             <a:fld id="{FB3B8A5E-471F-429F-9BA1-77FBE3424E98}" type="datetimeFigureOut">
               <a:rPr lang="ko-KR" altLang="en-US" smtClean="0"/>
-              <a:t>2022-07-29</a:t>
+              <a:t>2022-07-31</a:t>
             </a:fld>
             <a:endParaRPr lang="ko-KR" altLang="en-US"/>
           </a:p>
@@ -689,7 +697,7 @@
           <a:lstStyle/>
           <a:p>
             <a:r>
-              <a:rPr lang="ko-KR" altLang="en-US" smtClean="0"/>
+              <a:rPr lang="ko-KR" altLang="en-US"/>
               <a:t>마스터 제목 스타일 편집</a:t>
             </a:r>
             <a:endParaRPr lang="en-US" dirty="0"/>
@@ -713,35 +721,35 @@
           <a:p>
             <a:pPr lvl="0"/>
             <a:r>
-              <a:rPr lang="ko-KR" altLang="en-US" smtClean="0"/>
+              <a:rPr lang="ko-KR" altLang="en-US"/>
               <a:t>마스터 텍스트 스타일 편집</a:t>
             </a:r>
           </a:p>
           <a:p>
             <a:pPr lvl="1"/>
             <a:r>
-              <a:rPr lang="ko-KR" altLang="en-US" smtClean="0"/>
+              <a:rPr lang="ko-KR" altLang="en-US"/>
               <a:t>둘째 수준</a:t>
             </a:r>
           </a:p>
           <a:p>
             <a:pPr lvl="2"/>
             <a:r>
-              <a:rPr lang="ko-KR" altLang="en-US" smtClean="0"/>
+              <a:rPr lang="ko-KR" altLang="en-US"/>
               <a:t>셋째 수준</a:t>
             </a:r>
           </a:p>
           <a:p>
             <a:pPr lvl="3"/>
             <a:r>
-              <a:rPr lang="ko-KR" altLang="en-US" smtClean="0"/>
+              <a:rPr lang="ko-KR" altLang="en-US"/>
               <a:t>넷째 수준</a:t>
             </a:r>
           </a:p>
           <a:p>
             <a:pPr lvl="4"/>
             <a:r>
-              <a:rPr lang="ko-KR" altLang="en-US" smtClean="0"/>
+              <a:rPr lang="ko-KR" altLang="en-US"/>
               <a:t>다섯째 수준</a:t>
             </a:r>
             <a:endParaRPr lang="en-US" dirty="0"/>
@@ -765,7 +773,7 @@
           <a:p>
             <a:fld id="{FB3B8A5E-471F-429F-9BA1-77FBE3424E98}" type="datetimeFigureOut">
               <a:rPr lang="ko-KR" altLang="en-US" smtClean="0"/>
-              <a:t>2022-07-29</a:t>
+              <a:t>2022-07-31</a:t>
             </a:fld>
             <a:endParaRPr lang="ko-KR" altLang="en-US"/>
           </a:p>
@@ -868,7 +876,7 @@
           </a:lstStyle>
           <a:p>
             <a:r>
-              <a:rPr lang="ko-KR" altLang="en-US" smtClean="0"/>
+              <a:rPr lang="ko-KR" altLang="en-US"/>
               <a:t>마스터 제목 스타일 편집</a:t>
             </a:r>
             <a:endParaRPr lang="en-US" dirty="0"/>
@@ -986,7 +994,7 @@
           <a:p>
             <a:pPr lvl="0"/>
             <a:r>
-              <a:rPr lang="ko-KR" altLang="en-US" smtClean="0"/>
+              <a:rPr lang="ko-KR" altLang="en-US"/>
               <a:t>마스터 텍스트 스타일 편집</a:t>
             </a:r>
           </a:p>
@@ -1009,7 +1017,7 @@
           <a:p>
             <a:fld id="{FB3B8A5E-471F-429F-9BA1-77FBE3424E98}" type="datetimeFigureOut">
               <a:rPr lang="ko-KR" altLang="en-US" smtClean="0"/>
-              <a:t>2022-07-29</a:t>
+              <a:t>2022-07-31</a:t>
             </a:fld>
             <a:endParaRPr lang="ko-KR" altLang="en-US"/>
           </a:p>
@@ -1103,7 +1111,7 @@
           <a:lstStyle/>
           <a:p>
             <a:r>
-              <a:rPr lang="ko-KR" altLang="en-US" smtClean="0"/>
+              <a:rPr lang="ko-KR" altLang="en-US"/>
               <a:t>마스터 제목 스타일 편집</a:t>
             </a:r>
             <a:endParaRPr lang="en-US" dirty="0"/>
@@ -1132,35 +1140,35 @@
           <a:p>
             <a:pPr lvl="0"/>
             <a:r>
-              <a:rPr lang="ko-KR" altLang="en-US" smtClean="0"/>
+              <a:rPr lang="ko-KR" altLang="en-US"/>
               <a:t>마스터 텍스트 스타일 편집</a:t>
             </a:r>
           </a:p>
           <a:p>
             <a:pPr lvl="1"/>
             <a:r>
-              <a:rPr lang="ko-KR" altLang="en-US" smtClean="0"/>
+              <a:rPr lang="ko-KR" altLang="en-US"/>
               <a:t>둘째 수준</a:t>
             </a:r>
           </a:p>
           <a:p>
             <a:pPr lvl="2"/>
             <a:r>
-              <a:rPr lang="ko-KR" altLang="en-US" smtClean="0"/>
+              <a:rPr lang="ko-KR" altLang="en-US"/>
               <a:t>셋째 수준</a:t>
             </a:r>
           </a:p>
           <a:p>
             <a:pPr lvl="3"/>
             <a:r>
-              <a:rPr lang="ko-KR" altLang="en-US" smtClean="0"/>
+              <a:rPr lang="ko-KR" altLang="en-US"/>
               <a:t>넷째 수준</a:t>
             </a:r>
           </a:p>
           <a:p>
             <a:pPr lvl="4"/>
             <a:r>
-              <a:rPr lang="ko-KR" altLang="en-US" smtClean="0"/>
+              <a:rPr lang="ko-KR" altLang="en-US"/>
               <a:t>다섯째 수준</a:t>
             </a:r>
             <a:endParaRPr lang="en-US" dirty="0"/>
@@ -1189,35 +1197,35 @@
           <a:p>
             <a:pPr lvl="0"/>
             <a:r>
-              <a:rPr lang="ko-KR" altLang="en-US" smtClean="0"/>
+              <a:rPr lang="ko-KR" altLang="en-US"/>
               <a:t>마스터 텍스트 스타일 편집</a:t>
             </a:r>
           </a:p>
           <a:p>
             <a:pPr lvl="1"/>
             <a:r>
-              <a:rPr lang="ko-KR" altLang="en-US" smtClean="0"/>
+              <a:rPr lang="ko-KR" altLang="en-US"/>
               <a:t>둘째 수준</a:t>
             </a:r>
           </a:p>
           <a:p>
             <a:pPr lvl="2"/>
             <a:r>
-              <a:rPr lang="ko-KR" altLang="en-US" smtClean="0"/>
+              <a:rPr lang="ko-KR" altLang="en-US"/>
               <a:t>셋째 수준</a:t>
             </a:r>
           </a:p>
           <a:p>
             <a:pPr lvl="3"/>
             <a:r>
-              <a:rPr lang="ko-KR" altLang="en-US" smtClean="0"/>
+              <a:rPr lang="ko-KR" altLang="en-US"/>
               <a:t>넷째 수준</a:t>
             </a:r>
           </a:p>
           <a:p>
             <a:pPr lvl="4"/>
             <a:r>
-              <a:rPr lang="ko-KR" altLang="en-US" smtClean="0"/>
+              <a:rPr lang="ko-KR" altLang="en-US"/>
               <a:t>다섯째 수준</a:t>
             </a:r>
             <a:endParaRPr lang="en-US" dirty="0"/>
@@ -1241,7 +1249,7 @@
           <a:p>
             <a:fld id="{FB3B8A5E-471F-429F-9BA1-77FBE3424E98}" type="datetimeFigureOut">
               <a:rPr lang="ko-KR" altLang="en-US" smtClean="0"/>
-              <a:t>2022-07-29</a:t>
+              <a:t>2022-07-31</a:t>
             </a:fld>
             <a:endParaRPr lang="ko-KR" altLang="en-US"/>
           </a:p>
@@ -1340,7 +1348,7 @@
           <a:lstStyle/>
           <a:p>
             <a:r>
-              <a:rPr lang="ko-KR" altLang="en-US" smtClean="0"/>
+              <a:rPr lang="ko-KR" altLang="en-US"/>
               <a:t>마스터 제목 스타일 편집</a:t>
             </a:r>
             <a:endParaRPr lang="en-US" dirty="0"/>
@@ -1406,7 +1414,7 @@
           <a:p>
             <a:pPr lvl="0"/>
             <a:r>
-              <a:rPr lang="ko-KR" altLang="en-US" smtClean="0"/>
+              <a:rPr lang="ko-KR" altLang="en-US"/>
               <a:t>마스터 텍스트 스타일 편집</a:t>
             </a:r>
           </a:p>
@@ -1434,35 +1442,35 @@
           <a:p>
             <a:pPr lvl="0"/>
             <a:r>
-              <a:rPr lang="ko-KR" altLang="en-US" smtClean="0"/>
+              <a:rPr lang="ko-KR" altLang="en-US"/>
               <a:t>마스터 텍스트 스타일 편집</a:t>
             </a:r>
           </a:p>
           <a:p>
             <a:pPr lvl="1"/>
             <a:r>
-              <a:rPr lang="ko-KR" altLang="en-US" smtClean="0"/>
+              <a:rPr lang="ko-KR" altLang="en-US"/>
               <a:t>둘째 수준</a:t>
             </a:r>
           </a:p>
           <a:p>
             <a:pPr lvl="2"/>
             <a:r>
-              <a:rPr lang="ko-KR" altLang="en-US" smtClean="0"/>
+              <a:rPr lang="ko-KR" altLang="en-US"/>
               <a:t>셋째 수준</a:t>
             </a:r>
           </a:p>
           <a:p>
             <a:pPr lvl="3"/>
             <a:r>
-              <a:rPr lang="ko-KR" altLang="en-US" smtClean="0"/>
+              <a:rPr lang="ko-KR" altLang="en-US"/>
               <a:t>넷째 수준</a:t>
             </a:r>
           </a:p>
           <a:p>
             <a:pPr lvl="4"/>
             <a:r>
-              <a:rPr lang="ko-KR" altLang="en-US" smtClean="0"/>
+              <a:rPr lang="ko-KR" altLang="en-US"/>
               <a:t>다섯째 수준</a:t>
             </a:r>
             <a:endParaRPr lang="en-US" dirty="0"/>
@@ -1528,7 +1536,7 @@
           <a:p>
             <a:pPr lvl="0"/>
             <a:r>
-              <a:rPr lang="ko-KR" altLang="en-US" smtClean="0"/>
+              <a:rPr lang="ko-KR" altLang="en-US"/>
               <a:t>마스터 텍스트 스타일 편집</a:t>
             </a:r>
           </a:p>
@@ -1556,35 +1564,35 @@
           <a:p>
             <a:pPr lvl="0"/>
             <a:r>
-              <a:rPr lang="ko-KR" altLang="en-US" smtClean="0"/>
+              <a:rPr lang="ko-KR" altLang="en-US"/>
               <a:t>마스터 텍스트 스타일 편집</a:t>
             </a:r>
           </a:p>
           <a:p>
             <a:pPr lvl="1"/>
             <a:r>
-              <a:rPr lang="ko-KR" altLang="en-US" smtClean="0"/>
+              <a:rPr lang="ko-KR" altLang="en-US"/>
               <a:t>둘째 수준</a:t>
             </a:r>
           </a:p>
           <a:p>
             <a:pPr lvl="2"/>
             <a:r>
-              <a:rPr lang="ko-KR" altLang="en-US" smtClean="0"/>
+              <a:rPr lang="ko-KR" altLang="en-US"/>
               <a:t>셋째 수준</a:t>
             </a:r>
           </a:p>
           <a:p>
             <a:pPr lvl="3"/>
             <a:r>
-              <a:rPr lang="ko-KR" altLang="en-US" smtClean="0"/>
+              <a:rPr lang="ko-KR" altLang="en-US"/>
               <a:t>넷째 수준</a:t>
             </a:r>
           </a:p>
           <a:p>
             <a:pPr lvl="4"/>
             <a:r>
-              <a:rPr lang="ko-KR" altLang="en-US" smtClean="0"/>
+              <a:rPr lang="ko-KR" altLang="en-US"/>
               <a:t>다섯째 수준</a:t>
             </a:r>
             <a:endParaRPr lang="en-US" dirty="0"/>
@@ -1608,7 +1616,7 @@
           <a:p>
             <a:fld id="{FB3B8A5E-471F-429F-9BA1-77FBE3424E98}" type="datetimeFigureOut">
               <a:rPr lang="ko-KR" altLang="en-US" smtClean="0"/>
-              <a:t>2022-07-29</a:t>
+              <a:t>2022-07-31</a:t>
             </a:fld>
             <a:endParaRPr lang="ko-KR" altLang="en-US"/>
           </a:p>
@@ -1702,7 +1710,7 @@
           <a:lstStyle/>
           <a:p>
             <a:r>
-              <a:rPr lang="ko-KR" altLang="en-US" smtClean="0"/>
+              <a:rPr lang="ko-KR" altLang="en-US"/>
               <a:t>마스터 제목 스타일 편집</a:t>
             </a:r>
             <a:endParaRPr lang="en-US" dirty="0"/>
@@ -1726,7 +1734,7 @@
           <a:p>
             <a:fld id="{FB3B8A5E-471F-429F-9BA1-77FBE3424E98}" type="datetimeFigureOut">
               <a:rPr lang="ko-KR" altLang="en-US" smtClean="0"/>
-              <a:t>2022-07-29</a:t>
+              <a:t>2022-07-31</a:t>
             </a:fld>
             <a:endParaRPr lang="ko-KR" altLang="en-US"/>
           </a:p>
@@ -1821,7 +1829,7 @@
           <a:p>
             <a:fld id="{FB3B8A5E-471F-429F-9BA1-77FBE3424E98}" type="datetimeFigureOut">
               <a:rPr lang="ko-KR" altLang="en-US" smtClean="0"/>
-              <a:t>2022-07-29</a:t>
+              <a:t>2022-07-31</a:t>
             </a:fld>
             <a:endParaRPr lang="ko-KR" altLang="en-US"/>
           </a:p>
@@ -1924,7 +1932,7 @@
           </a:lstStyle>
           <a:p>
             <a:r>
-              <a:rPr lang="ko-KR" altLang="en-US" smtClean="0"/>
+              <a:rPr lang="ko-KR" altLang="en-US"/>
               <a:t>마스터 제목 스타일 편집</a:t>
             </a:r>
             <a:endParaRPr lang="en-US" dirty="0"/>
@@ -1981,35 +1989,35 @@
           <a:p>
             <a:pPr lvl="0"/>
             <a:r>
-              <a:rPr lang="ko-KR" altLang="en-US" smtClean="0"/>
+              <a:rPr lang="ko-KR" altLang="en-US"/>
               <a:t>마스터 텍스트 스타일 편집</a:t>
             </a:r>
           </a:p>
           <a:p>
             <a:pPr lvl="1"/>
             <a:r>
-              <a:rPr lang="ko-KR" altLang="en-US" smtClean="0"/>
+              <a:rPr lang="ko-KR" altLang="en-US"/>
               <a:t>둘째 수준</a:t>
             </a:r>
           </a:p>
           <a:p>
             <a:pPr lvl="2"/>
             <a:r>
-              <a:rPr lang="ko-KR" altLang="en-US" smtClean="0"/>
+              <a:rPr lang="ko-KR" altLang="en-US"/>
               <a:t>셋째 수준</a:t>
             </a:r>
           </a:p>
           <a:p>
             <a:pPr lvl="3"/>
             <a:r>
-              <a:rPr lang="ko-KR" altLang="en-US" smtClean="0"/>
+              <a:rPr lang="ko-KR" altLang="en-US"/>
               <a:t>넷째 수준</a:t>
             </a:r>
           </a:p>
           <a:p>
             <a:pPr lvl="4"/>
             <a:r>
-              <a:rPr lang="ko-KR" altLang="en-US" smtClean="0"/>
+              <a:rPr lang="ko-KR" altLang="en-US"/>
               <a:t>다섯째 수준</a:t>
             </a:r>
             <a:endParaRPr lang="en-US" dirty="0"/>
@@ -2075,7 +2083,7 @@
           <a:p>
             <a:pPr lvl="0"/>
             <a:r>
-              <a:rPr lang="ko-KR" altLang="en-US" smtClean="0"/>
+              <a:rPr lang="ko-KR" altLang="en-US"/>
               <a:t>마스터 텍스트 스타일 편집</a:t>
             </a:r>
           </a:p>
@@ -2098,7 +2106,7 @@
           <a:p>
             <a:fld id="{FB3B8A5E-471F-429F-9BA1-77FBE3424E98}" type="datetimeFigureOut">
               <a:rPr lang="ko-KR" altLang="en-US" smtClean="0"/>
-              <a:t>2022-07-29</a:t>
+              <a:t>2022-07-31</a:t>
             </a:fld>
             <a:endParaRPr lang="ko-KR" altLang="en-US"/>
           </a:p>
@@ -2201,7 +2209,7 @@
           </a:lstStyle>
           <a:p>
             <a:r>
-              <a:rPr lang="ko-KR" altLang="en-US" smtClean="0"/>
+              <a:rPr lang="ko-KR" altLang="en-US"/>
               <a:t>마스터 제목 스타일 편집</a:t>
             </a:r>
             <a:endParaRPr lang="en-US" dirty="0"/>
@@ -2266,7 +2274,7 @@
           </a:lstStyle>
           <a:p>
             <a:r>
-              <a:rPr lang="ko-KR" altLang="en-US" smtClean="0"/>
+              <a:rPr lang="ko-KR" altLang="en-US"/>
               <a:t>그림을 추가하려면 아이콘을 클릭하십시오</a:t>
             </a:r>
             <a:endParaRPr lang="en-US" dirty="0"/>
@@ -2332,7 +2340,7 @@
           <a:p>
             <a:pPr lvl="0"/>
             <a:r>
-              <a:rPr lang="ko-KR" altLang="en-US" smtClean="0"/>
+              <a:rPr lang="ko-KR" altLang="en-US"/>
               <a:t>마스터 텍스트 스타일 편집</a:t>
             </a:r>
           </a:p>
@@ -2355,7 +2363,7 @@
           <a:p>
             <a:fld id="{FB3B8A5E-471F-429F-9BA1-77FBE3424E98}" type="datetimeFigureOut">
               <a:rPr lang="ko-KR" altLang="en-US" smtClean="0"/>
-              <a:t>2022-07-29</a:t>
+              <a:t>2022-07-31</a:t>
             </a:fld>
             <a:endParaRPr lang="ko-KR" altLang="en-US"/>
           </a:p>
@@ -2464,7 +2472,7 @@
           <a:lstStyle/>
           <a:p>
             <a:r>
-              <a:rPr lang="ko-KR" altLang="en-US" smtClean="0"/>
+              <a:rPr lang="ko-KR" altLang="en-US"/>
               <a:t>마스터 제목 스타일 편집</a:t>
             </a:r>
             <a:endParaRPr lang="en-US" dirty="0"/>
@@ -2498,35 +2506,35 @@
           <a:p>
             <a:pPr lvl="0"/>
             <a:r>
-              <a:rPr lang="ko-KR" altLang="en-US" smtClean="0"/>
+              <a:rPr lang="ko-KR" altLang="en-US"/>
               <a:t>마스터 텍스트 스타일 편집</a:t>
             </a:r>
           </a:p>
           <a:p>
             <a:pPr lvl="1"/>
             <a:r>
-              <a:rPr lang="ko-KR" altLang="en-US" smtClean="0"/>
+              <a:rPr lang="ko-KR" altLang="en-US"/>
               <a:t>둘째 수준</a:t>
             </a:r>
           </a:p>
           <a:p>
             <a:pPr lvl="2"/>
             <a:r>
-              <a:rPr lang="ko-KR" altLang="en-US" smtClean="0"/>
+              <a:rPr lang="ko-KR" altLang="en-US"/>
               <a:t>셋째 수준</a:t>
             </a:r>
           </a:p>
           <a:p>
             <a:pPr lvl="3"/>
             <a:r>
-              <a:rPr lang="ko-KR" altLang="en-US" smtClean="0"/>
+              <a:rPr lang="ko-KR" altLang="en-US"/>
               <a:t>넷째 수준</a:t>
             </a:r>
           </a:p>
           <a:p>
             <a:pPr lvl="4"/>
             <a:r>
-              <a:rPr lang="ko-KR" altLang="en-US" smtClean="0"/>
+              <a:rPr lang="ko-KR" altLang="en-US"/>
               <a:t>다섯째 수준</a:t>
             </a:r>
             <a:endParaRPr lang="en-US" dirty="0"/>
@@ -2568,7 +2576,7 @@
           <a:p>
             <a:fld id="{FB3B8A5E-471F-429F-9BA1-77FBE3424E98}" type="datetimeFigureOut">
               <a:rPr lang="ko-KR" altLang="en-US" smtClean="0"/>
-              <a:t>2022-07-29</a:t>
+              <a:t>2022-07-31</a:t>
             </a:fld>
             <a:endParaRPr lang="ko-KR" altLang="en-US"/>
           </a:p>
@@ -2991,7 +2999,7 @@
           <a:lstStyle/>
           <a:p>
             <a:r>
-              <a:rPr lang="ko-KR" altLang="en-US" dirty="0" smtClean="0">
+              <a:rPr lang="ko-KR" altLang="en-US" dirty="0">
                 <a:latin typeface="HY견명조" panose="02030600000101010101" pitchFamily="18" charset="-127"/>
                 <a:ea typeface="HY견명조" panose="02030600000101010101" pitchFamily="18" charset="-127"/>
               </a:rPr>
@@ -3012,7 +3020,7 @@
               <a:t>四聖諦</a:t>
             </a:r>
             <a:r>
-              <a:rPr lang="en-US" altLang="ko-KR" dirty="0" smtClean="0">
+              <a:rPr lang="en-US" altLang="ko-KR" dirty="0">
                 <a:latin typeface="HY견명조" panose="02030600000101010101" pitchFamily="18" charset="-127"/>
                 <a:ea typeface="HY견명조" panose="02030600000101010101" pitchFamily="18" charset="-127"/>
               </a:rPr>
@@ -3054,13 +3062,313 @@
   <p:clrMapOvr>
     <a:masterClrMapping/>
   </p:clrMapOvr>
-  <p:timing>
-    <p:tnLst>
-      <p:par>
-        <p:cTn id="1" dur="indefinite" restart="never" nodeType="tmRoot"/>
-      </p:par>
-    </p:tnLst>
-  </p:timing>
+</p:sld>
+</file>
+
+<file path=ppt/slides/slide10.xml><?xml version="1.0" encoding="utf-8"?>
+<p:sld xmlns:a="http://schemas.openxmlformats.org/drawingml/2006/main" xmlns:r="http://schemas.openxmlformats.org/officeDocument/2006/relationships" xmlns:p="http://schemas.openxmlformats.org/presentationml/2006/main">
+  <p:cSld>
+    <p:spTree>
+      <p:nvGrpSpPr>
+        <p:cNvPr id="1" name=""/>
+        <p:cNvGrpSpPr/>
+        <p:nvPr/>
+      </p:nvGrpSpPr>
+      <p:grpSpPr>
+        <a:xfrm>
+          <a:off x="0" y="0"/>
+          <a:ext cx="0" cy="0"/>
+          <a:chOff x="0" y="0"/>
+          <a:chExt cx="0" cy="0"/>
+        </a:xfrm>
+      </p:grpSpPr>
+      <p:sp>
+        <p:nvSpPr>
+          <p:cNvPr id="2" name="제목 1"/>
+          <p:cNvSpPr>
+            <a:spLocks noGrp="1"/>
+          </p:cNvSpPr>
+          <p:nvPr>
+            <p:ph type="title"/>
+          </p:nvPr>
+        </p:nvSpPr>
+        <p:spPr>
+          <a:xfrm>
+            <a:off x="387175" y="-66907"/>
+            <a:ext cx="6582337" cy="1325563"/>
+          </a:xfrm>
+        </p:spPr>
+        <p:txBody>
+          <a:bodyPr/>
+          <a:lstStyle/>
+          <a:p>
+            <a:r>
+              <a:rPr lang="ko-KR" altLang="en-US" dirty="0">
+                <a:latin typeface="HY견고딕" panose="02030600000101010101" pitchFamily="18" charset="-127"/>
+                <a:ea typeface="HY견고딕" panose="02030600000101010101" pitchFamily="18" charset="-127"/>
+              </a:rPr>
+              <a:t>팔정도</a:t>
+            </a:r>
+            <a:r>
+              <a:rPr lang="en-US" altLang="ko-KR" dirty="0">
+                <a:latin typeface="HY견고딕" panose="02030600000101010101" pitchFamily="18" charset="-127"/>
+                <a:ea typeface="HY견고딕" panose="02030600000101010101" pitchFamily="18" charset="-127"/>
+              </a:rPr>
+              <a:t>(</a:t>
+            </a:r>
+            <a:r>
+              <a:rPr lang="ko-KR" altLang="en-US" dirty="0">
+                <a:latin typeface="HY견고딕" panose="02030600000101010101" pitchFamily="18" charset="-127"/>
+                <a:ea typeface="HY견고딕" panose="02030600000101010101" pitchFamily="18" charset="-127"/>
+              </a:rPr>
+              <a:t>八正道</a:t>
+            </a:r>
+            <a:r>
+              <a:rPr lang="en-US" altLang="ko-KR" dirty="0">
+                <a:latin typeface="HY견고딕" panose="02030600000101010101" pitchFamily="18" charset="-127"/>
+                <a:ea typeface="HY견고딕" panose="02030600000101010101" pitchFamily="18" charset="-127"/>
+              </a:rPr>
+              <a:t>)</a:t>
+            </a:r>
+            <a:endParaRPr lang="ko-KR" altLang="en-US" dirty="0">
+              <a:latin typeface="HY견고딕" panose="02030600000101010101" pitchFamily="18" charset="-127"/>
+              <a:ea typeface="HY견고딕" panose="02030600000101010101" pitchFamily="18" charset="-127"/>
+            </a:endParaRPr>
+          </a:p>
+        </p:txBody>
+      </p:sp>
+      <p:sp>
+        <p:nvSpPr>
+          <p:cNvPr id="3" name="내용 개체 틀 2"/>
+          <p:cNvSpPr>
+            <a:spLocks noGrp="1"/>
+          </p:cNvSpPr>
+          <p:nvPr>
+            <p:ph idx="1"/>
+          </p:nvPr>
+        </p:nvSpPr>
+        <p:spPr>
+          <a:xfrm>
+            <a:off x="387175" y="1335282"/>
+            <a:ext cx="8421545" cy="766895"/>
+          </a:xfrm>
+        </p:spPr>
+        <p:txBody>
+          <a:bodyPr>
+            <a:normAutofit/>
+          </a:bodyPr>
+          <a:lstStyle/>
+          <a:p>
+            <a:pPr marL="0" indent="0">
+              <a:buNone/>
+            </a:pPr>
+            <a:r>
+              <a:rPr lang="en-US" altLang="ko-KR" sz="3200" dirty="0">
+                <a:latin typeface="HY견명조" panose="02030600000101010101" pitchFamily="18" charset="-127"/>
+                <a:ea typeface="HY견명조" panose="02030600000101010101" pitchFamily="18" charset="-127"/>
+              </a:rPr>
+              <a:t>7. </a:t>
+            </a:r>
+            <a:r>
+              <a:rPr lang="ko-KR" altLang="en-US" sz="3200" dirty="0">
+                <a:latin typeface="HY견명조" panose="02030600000101010101" pitchFamily="18" charset="-127"/>
+                <a:ea typeface="HY견명조" panose="02030600000101010101" pitchFamily="18" charset="-127"/>
+              </a:rPr>
+              <a:t>바른 </a:t>
+            </a:r>
+            <a:r>
+              <a:rPr lang="ko-KR" altLang="en-US" sz="3200" dirty="0" err="1">
+                <a:latin typeface="HY견명조" panose="02030600000101010101" pitchFamily="18" charset="-127"/>
+                <a:ea typeface="HY견명조" panose="02030600000101010101" pitchFamily="18" charset="-127"/>
+              </a:rPr>
+              <a:t>마음챙김</a:t>
+            </a:r>
+            <a:r>
+              <a:rPr lang="en-US" altLang="ko-KR" sz="3200" dirty="0">
+                <a:latin typeface="HY견명조" panose="02030600000101010101" pitchFamily="18" charset="-127"/>
+                <a:ea typeface="HY견명조" panose="02030600000101010101" pitchFamily="18" charset="-127"/>
+              </a:rPr>
+              <a:t>(</a:t>
+            </a:r>
+            <a:r>
+              <a:rPr lang="ko-KR" altLang="en-US" sz="3200" dirty="0">
+                <a:latin typeface="HY견명조" panose="02030600000101010101" pitchFamily="18" charset="-127"/>
+                <a:ea typeface="HY견명조" panose="02030600000101010101" pitchFamily="18" charset="-127"/>
+              </a:rPr>
+              <a:t>正念</a:t>
+            </a:r>
+            <a:r>
+              <a:rPr lang="en-US" altLang="ko-KR" sz="3200" dirty="0">
+                <a:latin typeface="HY견명조" panose="02030600000101010101" pitchFamily="18" charset="-127"/>
+                <a:ea typeface="HY견명조" panose="02030600000101010101" pitchFamily="18" charset="-127"/>
+              </a:rPr>
+              <a:t>), </a:t>
+            </a:r>
+          </a:p>
+        </p:txBody>
+      </p:sp>
+    </p:spTree>
+    <p:extLst>
+      <p:ext uri="{BB962C8B-B14F-4D97-AF65-F5344CB8AC3E}">
+        <p14:creationId xmlns:p14="http://schemas.microsoft.com/office/powerpoint/2010/main" val="2628606729"/>
+      </p:ext>
+    </p:extLst>
+  </p:cSld>
+  <p:clrMapOvr>
+    <a:masterClrMapping/>
+  </p:clrMapOvr>
+</p:sld>
+</file>
+
+<file path=ppt/slides/slide11.xml><?xml version="1.0" encoding="utf-8"?>
+<p:sld xmlns:a="http://schemas.openxmlformats.org/drawingml/2006/main" xmlns:r="http://schemas.openxmlformats.org/officeDocument/2006/relationships" xmlns:p="http://schemas.openxmlformats.org/presentationml/2006/main">
+  <p:cSld>
+    <p:spTree>
+      <p:nvGrpSpPr>
+        <p:cNvPr id="1" name=""/>
+        <p:cNvGrpSpPr/>
+        <p:nvPr/>
+      </p:nvGrpSpPr>
+      <p:grpSpPr>
+        <a:xfrm>
+          <a:off x="0" y="0"/>
+          <a:ext cx="0" cy="0"/>
+          <a:chOff x="0" y="0"/>
+          <a:chExt cx="0" cy="0"/>
+        </a:xfrm>
+      </p:grpSpPr>
+      <p:sp>
+        <p:nvSpPr>
+          <p:cNvPr id="2" name="제목 1"/>
+          <p:cNvSpPr>
+            <a:spLocks noGrp="1"/>
+          </p:cNvSpPr>
+          <p:nvPr>
+            <p:ph type="title"/>
+          </p:nvPr>
+        </p:nvSpPr>
+        <p:spPr>
+          <a:xfrm>
+            <a:off x="387175" y="-66907"/>
+            <a:ext cx="6582337" cy="1325563"/>
+          </a:xfrm>
+        </p:spPr>
+        <p:txBody>
+          <a:bodyPr/>
+          <a:lstStyle/>
+          <a:p>
+            <a:r>
+              <a:rPr lang="ko-KR" altLang="en-US" dirty="0">
+                <a:latin typeface="HY견고딕" panose="02030600000101010101" pitchFamily="18" charset="-127"/>
+                <a:ea typeface="HY견고딕" panose="02030600000101010101" pitchFamily="18" charset="-127"/>
+              </a:rPr>
+              <a:t>팔정도</a:t>
+            </a:r>
+            <a:r>
+              <a:rPr lang="en-US" altLang="ko-KR" dirty="0">
+                <a:latin typeface="HY견고딕" panose="02030600000101010101" pitchFamily="18" charset="-127"/>
+                <a:ea typeface="HY견고딕" panose="02030600000101010101" pitchFamily="18" charset="-127"/>
+              </a:rPr>
+              <a:t>(</a:t>
+            </a:r>
+            <a:r>
+              <a:rPr lang="ko-KR" altLang="en-US" dirty="0">
+                <a:latin typeface="HY견고딕" panose="02030600000101010101" pitchFamily="18" charset="-127"/>
+                <a:ea typeface="HY견고딕" panose="02030600000101010101" pitchFamily="18" charset="-127"/>
+              </a:rPr>
+              <a:t>八正道</a:t>
+            </a:r>
+            <a:r>
+              <a:rPr lang="en-US" altLang="ko-KR" dirty="0">
+                <a:latin typeface="HY견고딕" panose="02030600000101010101" pitchFamily="18" charset="-127"/>
+                <a:ea typeface="HY견고딕" panose="02030600000101010101" pitchFamily="18" charset="-127"/>
+              </a:rPr>
+              <a:t>)</a:t>
+            </a:r>
+            <a:endParaRPr lang="ko-KR" altLang="en-US" dirty="0">
+              <a:latin typeface="HY견고딕" panose="02030600000101010101" pitchFamily="18" charset="-127"/>
+              <a:ea typeface="HY견고딕" panose="02030600000101010101" pitchFamily="18" charset="-127"/>
+            </a:endParaRPr>
+          </a:p>
+        </p:txBody>
+      </p:sp>
+      <p:sp>
+        <p:nvSpPr>
+          <p:cNvPr id="3" name="내용 개체 틀 2"/>
+          <p:cNvSpPr>
+            <a:spLocks noGrp="1"/>
+          </p:cNvSpPr>
+          <p:nvPr>
+            <p:ph idx="1"/>
+          </p:nvPr>
+        </p:nvSpPr>
+        <p:spPr>
+          <a:xfrm>
+            <a:off x="387175" y="1335283"/>
+            <a:ext cx="8421545" cy="587786"/>
+          </a:xfrm>
+        </p:spPr>
+        <p:txBody>
+          <a:bodyPr>
+            <a:normAutofit/>
+          </a:bodyPr>
+          <a:lstStyle/>
+          <a:p>
+            <a:pPr marL="0" indent="0">
+              <a:buNone/>
+            </a:pPr>
+            <a:r>
+              <a:rPr lang="en-US" altLang="ko-KR" sz="3200" dirty="0">
+                <a:latin typeface="HY견명조" panose="02030600000101010101" pitchFamily="18" charset="-127"/>
+                <a:ea typeface="HY견명조" panose="02030600000101010101" pitchFamily="18" charset="-127"/>
+              </a:rPr>
+              <a:t>8. </a:t>
+            </a:r>
+            <a:r>
+              <a:rPr lang="ko-KR" altLang="en-US" sz="3200" dirty="0">
+                <a:latin typeface="HY견명조" panose="02030600000101010101" pitchFamily="18" charset="-127"/>
+                <a:ea typeface="HY견명조" panose="02030600000101010101" pitchFamily="18" charset="-127"/>
+              </a:rPr>
+              <a:t>바른 선정</a:t>
+            </a:r>
+            <a:r>
+              <a:rPr lang="en-US" altLang="ko-KR" sz="3200" dirty="0">
+                <a:latin typeface="HY견명조" panose="02030600000101010101" pitchFamily="18" charset="-127"/>
+                <a:ea typeface="HY견명조" panose="02030600000101010101" pitchFamily="18" charset="-127"/>
+              </a:rPr>
+              <a:t>(</a:t>
+            </a:r>
+            <a:r>
+              <a:rPr lang="ko-KR" altLang="en-US" sz="3200" dirty="0">
+                <a:latin typeface="HY견명조" panose="02030600000101010101" pitchFamily="18" charset="-127"/>
+                <a:ea typeface="HY견명조" panose="02030600000101010101" pitchFamily="18" charset="-127"/>
+              </a:rPr>
+              <a:t>正定</a:t>
+            </a:r>
+            <a:r>
+              <a:rPr lang="en-US" altLang="ko-KR" sz="3200" dirty="0">
+                <a:latin typeface="HY견명조" panose="02030600000101010101" pitchFamily="18" charset="-127"/>
+                <a:ea typeface="HY견명조" panose="02030600000101010101" pitchFamily="18" charset="-127"/>
+              </a:rPr>
+              <a:t>)</a:t>
+            </a:r>
+            <a:endParaRPr lang="ko-KR" altLang="en-US" sz="3200" dirty="0">
+              <a:latin typeface="HY견명조" panose="02030600000101010101" pitchFamily="18" charset="-127"/>
+              <a:ea typeface="HY견명조" panose="02030600000101010101" pitchFamily="18" charset="-127"/>
+            </a:endParaRPr>
+          </a:p>
+        </p:txBody>
+      </p:sp>
+    </p:spTree>
+    <p:extLst>
+      <p:ext uri="{BB962C8B-B14F-4D97-AF65-F5344CB8AC3E}">
+        <p14:creationId xmlns:p14="http://schemas.microsoft.com/office/powerpoint/2010/main" val="646230783"/>
+      </p:ext>
+    </p:extLst>
+  </p:cSld>
+  <p:clrMapOvr>
+    <a:masterClrMapping/>
+  </p:clrMapOvr>
 </p:sld>
 </file>
 
@@ -3342,28 +3650,28 @@
           <a:lstStyle/>
           <a:p>
             <a:r>
-              <a:rPr lang="ko-KR" altLang="en-US" dirty="0" smtClean="0">
+              <a:rPr lang="ko-KR" altLang="en-US" dirty="0">
                 <a:latin typeface="HY견고딕" panose="02030600000101010101" pitchFamily="18" charset="-127"/>
                 <a:ea typeface="HY견고딕" panose="02030600000101010101" pitchFamily="18" charset="-127"/>
               </a:rPr>
               <a:t>팔정도</a:t>
             </a:r>
             <a:r>
-              <a:rPr lang="en-US" altLang="ko-KR" dirty="0" smtClean="0">
+              <a:rPr lang="en-US" altLang="ko-KR" dirty="0">
                 <a:latin typeface="HY견고딕" panose="02030600000101010101" pitchFamily="18" charset="-127"/>
                 <a:ea typeface="HY견고딕" panose="02030600000101010101" pitchFamily="18" charset="-127"/>
               </a:rPr>
               <a:t>(</a:t>
             </a:r>
             <a:r>
-              <a:rPr lang="ko-KR" altLang="en-US" dirty="0" smtClean="0">
+              <a:rPr lang="ko-KR" altLang="en-US" dirty="0">
                 <a:latin typeface="HY견고딕" panose="02030600000101010101" pitchFamily="18" charset="-127"/>
                 <a:ea typeface="HY견고딕" panose="02030600000101010101" pitchFamily="18" charset="-127"/>
               </a:rPr>
               <a:t>八正道</a:t>
             </a:r>
             <a:r>
-              <a:rPr lang="en-US" altLang="ko-KR" dirty="0" smtClean="0">
+              <a:rPr lang="en-US" altLang="ko-KR" dirty="0">
                 <a:latin typeface="HY견고딕" panose="02030600000101010101" pitchFamily="18" charset="-127"/>
                 <a:ea typeface="HY견고딕" panose="02030600000101010101" pitchFamily="18" charset="-127"/>
               </a:rPr>
@@ -3399,7 +3707,7 @@
           <a:lstStyle/>
           <a:p>
             <a:r>
-              <a:rPr lang="ko-KR" altLang="en-US" sz="3200" dirty="0" err="1" smtClean="0">
+              <a:rPr lang="ko-KR" altLang="en-US" sz="3200" dirty="0" err="1">
                 <a:latin typeface="HY견명조" panose="02030600000101010101" pitchFamily="18" charset="-127"/>
                 <a:ea typeface="HY견명조" panose="02030600000101010101" pitchFamily="18" charset="-127"/>
               </a:rPr>
@@ -3482,10 +3790,6 @@
               </a:rPr>
               <a:t>. </a:t>
             </a:r>
-            <a:endParaRPr lang="en-US" altLang="ko-KR" sz="3200" dirty="0">
-              <a:latin typeface="HY견명조" panose="02030600000101010101" pitchFamily="18" charset="-127"/>
-              <a:ea typeface="HY견명조" panose="02030600000101010101" pitchFamily="18" charset="-127"/>
-            </a:endParaRPr>
           </a:p>
           <a:p>
             <a:r>
@@ -3493,301 +3797,224 @@
                 <a:latin typeface="HY견명조" panose="02030600000101010101" pitchFamily="18" charset="-127"/>
                 <a:ea typeface="HY견명조" panose="02030600000101010101" pitchFamily="18" charset="-127"/>
               </a:rPr>
+              <a:t>바른 견해</a:t>
+            </a:r>
+            <a:r>
+              <a:rPr lang="en-US" altLang="ko-KR" sz="3200" dirty="0">
+                <a:latin typeface="HY견명조" panose="02030600000101010101" pitchFamily="18" charset="-127"/>
+                <a:ea typeface="HY견명조" panose="02030600000101010101" pitchFamily="18" charset="-127"/>
+              </a:rPr>
+              <a:t>(</a:t>
+            </a:r>
+            <a:r>
+              <a:rPr lang="ko-KR" altLang="en-US" sz="3200" dirty="0">
+                <a:latin typeface="HY견명조" panose="02030600000101010101" pitchFamily="18" charset="-127"/>
+                <a:ea typeface="HY견명조" panose="02030600000101010101" pitchFamily="18" charset="-127"/>
+              </a:rPr>
+              <a:t>正見</a:t>
+            </a:r>
+            <a:r>
+              <a:rPr lang="en-US" altLang="ko-KR" sz="3200" dirty="0">
+                <a:latin typeface="HY견명조" panose="02030600000101010101" pitchFamily="18" charset="-127"/>
+                <a:ea typeface="HY견명조" panose="02030600000101010101" pitchFamily="18" charset="-127"/>
+              </a:rPr>
+              <a:t>), </a:t>
+            </a:r>
+          </a:p>
+          <a:p>
+            <a:r>
+              <a:rPr lang="ko-KR" altLang="en-US" sz="3200" dirty="0">
+                <a:latin typeface="HY견명조" panose="02030600000101010101" pitchFamily="18" charset="-127"/>
+                <a:ea typeface="HY견명조" panose="02030600000101010101" pitchFamily="18" charset="-127"/>
+              </a:rPr>
+              <a:t>바른 사유</a:t>
+            </a:r>
+            <a:r>
+              <a:rPr lang="en-US" altLang="ko-KR" sz="3200" dirty="0">
+                <a:latin typeface="HY견명조" panose="02030600000101010101" pitchFamily="18" charset="-127"/>
+                <a:ea typeface="HY견명조" panose="02030600000101010101" pitchFamily="18" charset="-127"/>
+              </a:rPr>
+              <a:t>(</a:t>
+            </a:r>
+            <a:r>
+              <a:rPr lang="ko-KR" altLang="en-US" sz="3200" dirty="0">
+                <a:latin typeface="HY견명조" panose="02030600000101010101" pitchFamily="18" charset="-127"/>
+                <a:ea typeface="HY견명조" panose="02030600000101010101" pitchFamily="18" charset="-127"/>
+              </a:rPr>
+              <a:t>正思惟</a:t>
+            </a:r>
+            <a:r>
+              <a:rPr lang="en-US" altLang="ko-KR" sz="3200" dirty="0">
+                <a:latin typeface="HY견명조" panose="02030600000101010101" pitchFamily="18" charset="-127"/>
+                <a:ea typeface="HY견명조" panose="02030600000101010101" pitchFamily="18" charset="-127"/>
+              </a:rPr>
+              <a:t>), </a:t>
+            </a:r>
+          </a:p>
+          <a:p>
+            <a:r>
+              <a:rPr lang="ko-KR" altLang="en-US" sz="3200" dirty="0">
+                <a:latin typeface="HY견명조" panose="02030600000101010101" pitchFamily="18" charset="-127"/>
+                <a:ea typeface="HY견명조" panose="02030600000101010101" pitchFamily="18" charset="-127"/>
+              </a:rPr>
+              <a:t>바른 말</a:t>
+            </a:r>
+            <a:r>
+              <a:rPr lang="en-US" altLang="ko-KR" sz="3200" dirty="0">
+                <a:latin typeface="HY견명조" panose="02030600000101010101" pitchFamily="18" charset="-127"/>
+                <a:ea typeface="HY견명조" panose="02030600000101010101" pitchFamily="18" charset="-127"/>
+              </a:rPr>
+              <a:t>(</a:t>
+            </a:r>
+            <a:r>
+              <a:rPr lang="ko-KR" altLang="en-US" sz="3200" dirty="0">
+                <a:latin typeface="HY견명조" panose="02030600000101010101" pitchFamily="18" charset="-127"/>
+                <a:ea typeface="HY견명조" panose="02030600000101010101" pitchFamily="18" charset="-127"/>
+              </a:rPr>
+              <a:t>正語</a:t>
+            </a:r>
+            <a:r>
+              <a:rPr lang="en-US" altLang="ko-KR" sz="3200" dirty="0">
+                <a:latin typeface="HY견명조" panose="02030600000101010101" pitchFamily="18" charset="-127"/>
+                <a:ea typeface="HY견명조" panose="02030600000101010101" pitchFamily="18" charset="-127"/>
+              </a:rPr>
+              <a:t>), </a:t>
+            </a:r>
+          </a:p>
+          <a:p>
+            <a:r>
+              <a:rPr lang="ko-KR" altLang="en-US" sz="3200" dirty="0">
+                <a:latin typeface="HY견명조" panose="02030600000101010101" pitchFamily="18" charset="-127"/>
+                <a:ea typeface="HY견명조" panose="02030600000101010101" pitchFamily="18" charset="-127"/>
+              </a:rPr>
+              <a:t>바른 행위</a:t>
+            </a:r>
+            <a:r>
+              <a:rPr lang="en-US" altLang="ko-KR" sz="3200" dirty="0">
+                <a:latin typeface="HY견명조" panose="02030600000101010101" pitchFamily="18" charset="-127"/>
+                <a:ea typeface="HY견명조" panose="02030600000101010101" pitchFamily="18" charset="-127"/>
+              </a:rPr>
+              <a:t>(</a:t>
+            </a:r>
+            <a:r>
+              <a:rPr lang="ko-KR" altLang="en-US" sz="3200" dirty="0">
+                <a:latin typeface="HY견명조" panose="02030600000101010101" pitchFamily="18" charset="-127"/>
+                <a:ea typeface="HY견명조" panose="02030600000101010101" pitchFamily="18" charset="-127"/>
+              </a:rPr>
+              <a:t>正業</a:t>
+            </a:r>
+            <a:r>
+              <a:rPr lang="en-US" altLang="ko-KR" sz="3200" dirty="0">
+                <a:latin typeface="HY견명조" panose="02030600000101010101" pitchFamily="18" charset="-127"/>
+                <a:ea typeface="HY견명조" panose="02030600000101010101" pitchFamily="18" charset="-127"/>
+              </a:rPr>
+              <a:t>), </a:t>
+            </a:r>
+          </a:p>
+          <a:p>
+            <a:r>
+              <a:rPr lang="ko-KR" altLang="en-US" sz="3200" dirty="0">
+                <a:latin typeface="HY견명조" panose="02030600000101010101" pitchFamily="18" charset="-127"/>
+                <a:ea typeface="HY견명조" panose="02030600000101010101" pitchFamily="18" charset="-127"/>
+              </a:rPr>
+              <a:t>바른 생활</a:t>
+            </a:r>
+            <a:r>
+              <a:rPr lang="en-US" altLang="ko-KR" sz="3200" dirty="0">
+                <a:latin typeface="HY견명조" panose="02030600000101010101" pitchFamily="18" charset="-127"/>
+                <a:ea typeface="HY견명조" panose="02030600000101010101" pitchFamily="18" charset="-127"/>
+              </a:rPr>
+              <a:t>(</a:t>
+            </a:r>
+            <a:r>
+              <a:rPr lang="ko-KR" altLang="en-US" sz="3200" dirty="0">
+                <a:latin typeface="HY견명조" panose="02030600000101010101" pitchFamily="18" charset="-127"/>
+                <a:ea typeface="HY견명조" panose="02030600000101010101" pitchFamily="18" charset="-127"/>
+              </a:rPr>
+              <a:t>正命</a:t>
+            </a:r>
+            <a:r>
+              <a:rPr lang="en-US" altLang="ko-KR" sz="3200" dirty="0">
+                <a:latin typeface="HY견명조" panose="02030600000101010101" pitchFamily="18" charset="-127"/>
+                <a:ea typeface="HY견명조" panose="02030600000101010101" pitchFamily="18" charset="-127"/>
+              </a:rPr>
+              <a:t>), </a:t>
+            </a:r>
+          </a:p>
+          <a:p>
+            <a:r>
+              <a:rPr lang="ko-KR" altLang="en-US" sz="3200" dirty="0">
+                <a:latin typeface="HY견명조" panose="02030600000101010101" pitchFamily="18" charset="-127"/>
+                <a:ea typeface="HY견명조" panose="02030600000101010101" pitchFamily="18" charset="-127"/>
+              </a:rPr>
+              <a:t>바른 노력</a:t>
+            </a:r>
+            <a:r>
+              <a:rPr lang="en-US" altLang="ko-KR" sz="3200" dirty="0">
+                <a:latin typeface="HY견명조" panose="02030600000101010101" pitchFamily="18" charset="-127"/>
+                <a:ea typeface="HY견명조" panose="02030600000101010101" pitchFamily="18" charset="-127"/>
+              </a:rPr>
+              <a:t>(</a:t>
+            </a:r>
+            <a:r>
+              <a:rPr lang="ko-KR" altLang="en-US" sz="3200" dirty="0">
+                <a:latin typeface="HY견명조" panose="02030600000101010101" pitchFamily="18" charset="-127"/>
+                <a:ea typeface="HY견명조" panose="02030600000101010101" pitchFamily="18" charset="-127"/>
+              </a:rPr>
+              <a:t>正精進</a:t>
+            </a:r>
+            <a:r>
+              <a:rPr lang="en-US" altLang="ko-KR" sz="3200" dirty="0">
+                <a:latin typeface="HY견명조" panose="02030600000101010101" pitchFamily="18" charset="-127"/>
+                <a:ea typeface="HY견명조" panose="02030600000101010101" pitchFamily="18" charset="-127"/>
+              </a:rPr>
+              <a:t>), </a:t>
+            </a:r>
+          </a:p>
+          <a:p>
+            <a:r>
+              <a:rPr lang="ko-KR" altLang="en-US" sz="3200" dirty="0">
+                <a:latin typeface="HY견명조" panose="02030600000101010101" pitchFamily="18" charset="-127"/>
+                <a:ea typeface="HY견명조" panose="02030600000101010101" pitchFamily="18" charset="-127"/>
+              </a:rPr>
               <a:t>바른 </a:t>
             </a:r>
             <a:r>
+              <a:rPr lang="ko-KR" altLang="en-US" sz="3200" dirty="0" err="1">
+                <a:latin typeface="HY견명조" panose="02030600000101010101" pitchFamily="18" charset="-127"/>
+                <a:ea typeface="HY견명조" panose="02030600000101010101" pitchFamily="18" charset="-127"/>
+              </a:rPr>
+              <a:t>마음챙김</a:t>
+            </a:r>
+            <a:r>
+              <a:rPr lang="en-US" altLang="ko-KR" sz="3200" dirty="0">
+                <a:latin typeface="HY견명조" panose="02030600000101010101" pitchFamily="18" charset="-127"/>
+                <a:ea typeface="HY견명조" panose="02030600000101010101" pitchFamily="18" charset="-127"/>
+              </a:rPr>
+              <a:t>(</a:t>
+            </a:r>
+            <a:r>
               <a:rPr lang="ko-KR" altLang="en-US" sz="3200" dirty="0">
                 <a:latin typeface="HY견명조" panose="02030600000101010101" pitchFamily="18" charset="-127"/>
                 <a:ea typeface="HY견명조" panose="02030600000101010101" pitchFamily="18" charset="-127"/>
               </a:rPr>
-              <a:t>견해</a:t>
+              <a:t>正念</a:t>
             </a:r>
             <a:r>
               <a:rPr lang="en-US" altLang="ko-KR" sz="3200" dirty="0">
                 <a:latin typeface="HY견명조" panose="02030600000101010101" pitchFamily="18" charset="-127"/>
                 <a:ea typeface="HY견명조" panose="02030600000101010101" pitchFamily="18" charset="-127"/>
               </a:rPr>
-              <a:t>(</a:t>
-            </a:r>
+              <a:t>), </a:t>
+            </a:r>
+          </a:p>
+          <a:p>
             <a:r>
               <a:rPr lang="ko-KR" altLang="en-US" sz="3200" dirty="0">
                 <a:latin typeface="HY견명조" panose="02030600000101010101" pitchFamily="18" charset="-127"/>
                 <a:ea typeface="HY견명조" panose="02030600000101010101" pitchFamily="18" charset="-127"/>
               </a:rPr>
-              <a:t>正見</a:t>
-            </a:r>
-            <a:r>
-              <a:rPr lang="en-US" altLang="ko-KR" sz="3200" dirty="0">
-                <a:latin typeface="HY견명조" panose="02030600000101010101" pitchFamily="18" charset="-127"/>
-                <a:ea typeface="HY견명조" panose="02030600000101010101" pitchFamily="18" charset="-127"/>
-              </a:rPr>
-              <a:t>), </a:t>
-            </a:r>
-            <a:endParaRPr lang="en-US" altLang="ko-KR" sz="3200" dirty="0">
-              <a:latin typeface="HY견명조" panose="02030600000101010101" pitchFamily="18" charset="-127"/>
-              <a:ea typeface="HY견명조" panose="02030600000101010101" pitchFamily="18" charset="-127"/>
-            </a:endParaRPr>
-          </a:p>
-          <a:p>
-            <a:r>
-              <a:rPr lang="ko-KR" altLang="en-US" sz="3200" dirty="0">
-                <a:latin typeface="HY견명조" panose="02030600000101010101" pitchFamily="18" charset="-127"/>
-                <a:ea typeface="HY견명조" panose="02030600000101010101" pitchFamily="18" charset="-127"/>
-              </a:rPr>
-              <a:t>바른 </a:t>
-            </a:r>
-            <a:r>
-              <a:rPr lang="ko-KR" altLang="en-US" sz="3200" dirty="0">
-                <a:latin typeface="HY견명조" panose="02030600000101010101" pitchFamily="18" charset="-127"/>
-                <a:ea typeface="HY견명조" panose="02030600000101010101" pitchFamily="18" charset="-127"/>
-              </a:rPr>
-              <a:t>사유</a:t>
-            </a:r>
-            <a:r>
-              <a:rPr lang="en-US" altLang="ko-KR" sz="3200" dirty="0">
-                <a:latin typeface="HY견명조" panose="02030600000101010101" pitchFamily="18" charset="-127"/>
-                <a:ea typeface="HY견명조" panose="02030600000101010101" pitchFamily="18" charset="-127"/>
-              </a:rPr>
-              <a:t>(</a:t>
-            </a:r>
-            <a:r>
-              <a:rPr lang="ko-KR" altLang="en-US" sz="3200" dirty="0">
-                <a:latin typeface="HY견명조" panose="02030600000101010101" pitchFamily="18" charset="-127"/>
-                <a:ea typeface="HY견명조" panose="02030600000101010101" pitchFamily="18" charset="-127"/>
-              </a:rPr>
-              <a:t>正思惟</a:t>
-            </a:r>
-            <a:r>
-              <a:rPr lang="en-US" altLang="ko-KR" sz="3200" dirty="0">
-                <a:latin typeface="HY견명조" panose="02030600000101010101" pitchFamily="18" charset="-127"/>
-                <a:ea typeface="HY견명조" panose="02030600000101010101" pitchFamily="18" charset="-127"/>
-              </a:rPr>
-              <a:t>), </a:t>
-            </a:r>
-            <a:endParaRPr lang="en-US" altLang="ko-KR" sz="3200" dirty="0">
-              <a:latin typeface="HY견명조" panose="02030600000101010101" pitchFamily="18" charset="-127"/>
-              <a:ea typeface="HY견명조" panose="02030600000101010101" pitchFamily="18" charset="-127"/>
-            </a:endParaRPr>
-          </a:p>
-          <a:p>
-            <a:r>
-              <a:rPr lang="ko-KR" altLang="en-US" sz="3200" dirty="0">
-                <a:latin typeface="HY견명조" panose="02030600000101010101" pitchFamily="18" charset="-127"/>
-                <a:ea typeface="HY견명조" panose="02030600000101010101" pitchFamily="18" charset="-127"/>
-              </a:rPr>
-              <a:t>바른 </a:t>
-            </a:r>
-            <a:r>
-              <a:rPr lang="ko-KR" altLang="en-US" sz="3200" dirty="0">
-                <a:latin typeface="HY견명조" panose="02030600000101010101" pitchFamily="18" charset="-127"/>
-                <a:ea typeface="HY견명조" panose="02030600000101010101" pitchFamily="18" charset="-127"/>
-              </a:rPr>
-              <a:t>말</a:t>
-            </a:r>
-            <a:r>
-              <a:rPr lang="en-US" altLang="ko-KR" sz="3200" dirty="0">
-                <a:latin typeface="HY견명조" panose="02030600000101010101" pitchFamily="18" charset="-127"/>
-                <a:ea typeface="HY견명조" panose="02030600000101010101" pitchFamily="18" charset="-127"/>
-              </a:rPr>
-              <a:t>(</a:t>
-            </a:r>
-            <a:r>
-              <a:rPr lang="ko-KR" altLang="en-US" sz="3200" dirty="0">
-                <a:latin typeface="HY견명조" panose="02030600000101010101" pitchFamily="18" charset="-127"/>
-                <a:ea typeface="HY견명조" panose="02030600000101010101" pitchFamily="18" charset="-127"/>
-              </a:rPr>
-              <a:t>正語</a:t>
-            </a:r>
-            <a:r>
-              <a:rPr lang="en-US" altLang="ko-KR" sz="3200" dirty="0">
-                <a:latin typeface="HY견명조" panose="02030600000101010101" pitchFamily="18" charset="-127"/>
-                <a:ea typeface="HY견명조" panose="02030600000101010101" pitchFamily="18" charset="-127"/>
-              </a:rPr>
-              <a:t>), </a:t>
-            </a:r>
-            <a:endParaRPr lang="en-US" altLang="ko-KR" sz="3200" dirty="0">
-              <a:latin typeface="HY견명조" panose="02030600000101010101" pitchFamily="18" charset="-127"/>
-              <a:ea typeface="HY견명조" panose="02030600000101010101" pitchFamily="18" charset="-127"/>
-            </a:endParaRPr>
-          </a:p>
-          <a:p>
-            <a:r>
-              <a:rPr lang="ko-KR" altLang="en-US" sz="3200" dirty="0">
-                <a:latin typeface="HY견명조" panose="02030600000101010101" pitchFamily="18" charset="-127"/>
-                <a:ea typeface="HY견명조" panose="02030600000101010101" pitchFamily="18" charset="-127"/>
-              </a:rPr>
-              <a:t>바른 </a:t>
-            </a:r>
-            <a:r>
-              <a:rPr lang="ko-KR" altLang="en-US" sz="3200" dirty="0">
-                <a:latin typeface="HY견명조" panose="02030600000101010101" pitchFamily="18" charset="-127"/>
-                <a:ea typeface="HY견명조" panose="02030600000101010101" pitchFamily="18" charset="-127"/>
-              </a:rPr>
-              <a:t>행위</a:t>
-            </a:r>
-            <a:r>
-              <a:rPr lang="en-US" altLang="ko-KR" sz="3200" dirty="0">
-                <a:latin typeface="HY견명조" panose="02030600000101010101" pitchFamily="18" charset="-127"/>
-                <a:ea typeface="HY견명조" panose="02030600000101010101" pitchFamily="18" charset="-127"/>
-              </a:rPr>
-              <a:t>(</a:t>
-            </a:r>
-            <a:r>
-              <a:rPr lang="ko-KR" altLang="en-US" sz="3200" dirty="0">
-                <a:latin typeface="HY견명조" panose="02030600000101010101" pitchFamily="18" charset="-127"/>
-                <a:ea typeface="HY견명조" panose="02030600000101010101" pitchFamily="18" charset="-127"/>
-              </a:rPr>
-              <a:t>正業</a:t>
-            </a:r>
-            <a:r>
-              <a:rPr lang="en-US" altLang="ko-KR" sz="3200" dirty="0">
-                <a:latin typeface="HY견명조" panose="02030600000101010101" pitchFamily="18" charset="-127"/>
-                <a:ea typeface="HY견명조" panose="02030600000101010101" pitchFamily="18" charset="-127"/>
-              </a:rPr>
-              <a:t>), </a:t>
-            </a:r>
-            <a:endParaRPr lang="en-US" altLang="ko-KR" sz="3200" dirty="0">
-              <a:latin typeface="HY견명조" panose="02030600000101010101" pitchFamily="18" charset="-127"/>
-              <a:ea typeface="HY견명조" panose="02030600000101010101" pitchFamily="18" charset="-127"/>
-            </a:endParaRPr>
-          </a:p>
-          <a:p>
-            <a:r>
-              <a:rPr lang="ko-KR" altLang="en-US" sz="3200" dirty="0">
-                <a:latin typeface="HY견명조" panose="02030600000101010101" pitchFamily="18" charset="-127"/>
-                <a:ea typeface="HY견명조" panose="02030600000101010101" pitchFamily="18" charset="-127"/>
-              </a:rPr>
-              <a:t>바른 </a:t>
-            </a:r>
-            <a:r>
-              <a:rPr lang="ko-KR" altLang="en-US" sz="3200" dirty="0">
-                <a:latin typeface="HY견명조" panose="02030600000101010101" pitchFamily="18" charset="-127"/>
-                <a:ea typeface="HY견명조" panose="02030600000101010101" pitchFamily="18" charset="-127"/>
-              </a:rPr>
-              <a:t>생활</a:t>
-            </a:r>
-            <a:r>
-              <a:rPr lang="en-US" altLang="ko-KR" sz="3200" dirty="0">
-                <a:latin typeface="HY견명조" panose="02030600000101010101" pitchFamily="18" charset="-127"/>
-                <a:ea typeface="HY견명조" panose="02030600000101010101" pitchFamily="18" charset="-127"/>
-              </a:rPr>
-              <a:t>(</a:t>
-            </a:r>
-            <a:r>
-              <a:rPr lang="ko-KR" altLang="en-US" sz="3200" dirty="0">
-                <a:latin typeface="HY견명조" panose="02030600000101010101" pitchFamily="18" charset="-127"/>
-                <a:ea typeface="HY견명조" panose="02030600000101010101" pitchFamily="18" charset="-127"/>
-              </a:rPr>
-              <a:t>正命</a:t>
-            </a:r>
-            <a:r>
-              <a:rPr lang="en-US" altLang="ko-KR" sz="3200" dirty="0">
-                <a:latin typeface="HY견명조" panose="02030600000101010101" pitchFamily="18" charset="-127"/>
-                <a:ea typeface="HY견명조" panose="02030600000101010101" pitchFamily="18" charset="-127"/>
-              </a:rPr>
-              <a:t>), </a:t>
-            </a:r>
-            <a:endParaRPr lang="en-US" altLang="ko-KR" sz="3200" dirty="0">
-              <a:latin typeface="HY견명조" panose="02030600000101010101" pitchFamily="18" charset="-127"/>
-              <a:ea typeface="HY견명조" panose="02030600000101010101" pitchFamily="18" charset="-127"/>
-            </a:endParaRPr>
-          </a:p>
-          <a:p>
-            <a:r>
-              <a:rPr lang="ko-KR" altLang="en-US" sz="3200" dirty="0">
-                <a:latin typeface="HY견명조" panose="02030600000101010101" pitchFamily="18" charset="-127"/>
-                <a:ea typeface="HY견명조" panose="02030600000101010101" pitchFamily="18" charset="-127"/>
-              </a:rPr>
-              <a:t>바른 </a:t>
-            </a:r>
-            <a:r>
-              <a:rPr lang="ko-KR" altLang="en-US" sz="3200" dirty="0">
-                <a:latin typeface="HY견명조" panose="02030600000101010101" pitchFamily="18" charset="-127"/>
-                <a:ea typeface="HY견명조" panose="02030600000101010101" pitchFamily="18" charset="-127"/>
-              </a:rPr>
-              <a:t>노력</a:t>
-            </a:r>
-            <a:r>
-              <a:rPr lang="en-US" altLang="ko-KR" sz="3200" dirty="0">
-                <a:latin typeface="HY견명조" panose="02030600000101010101" pitchFamily="18" charset="-127"/>
-                <a:ea typeface="HY견명조" panose="02030600000101010101" pitchFamily="18" charset="-127"/>
-              </a:rPr>
-              <a:t>(</a:t>
-            </a:r>
-            <a:r>
-              <a:rPr lang="ko-KR" altLang="en-US" sz="3200" dirty="0">
-                <a:latin typeface="HY견명조" panose="02030600000101010101" pitchFamily="18" charset="-127"/>
-                <a:ea typeface="HY견명조" panose="02030600000101010101" pitchFamily="18" charset="-127"/>
-              </a:rPr>
-              <a:t>正精進</a:t>
-            </a:r>
-            <a:r>
-              <a:rPr lang="en-US" altLang="ko-KR" sz="3200" dirty="0">
-                <a:latin typeface="HY견명조" panose="02030600000101010101" pitchFamily="18" charset="-127"/>
-                <a:ea typeface="HY견명조" panose="02030600000101010101" pitchFamily="18" charset="-127"/>
-              </a:rPr>
-              <a:t>), </a:t>
-            </a:r>
-            <a:endParaRPr lang="en-US" altLang="ko-KR" sz="3200" dirty="0">
-              <a:latin typeface="HY견명조" panose="02030600000101010101" pitchFamily="18" charset="-127"/>
-              <a:ea typeface="HY견명조" panose="02030600000101010101" pitchFamily="18" charset="-127"/>
-            </a:endParaRPr>
-          </a:p>
-          <a:p>
-            <a:r>
-              <a:rPr lang="ko-KR" altLang="en-US" sz="3200" dirty="0">
-                <a:latin typeface="HY견명조" panose="02030600000101010101" pitchFamily="18" charset="-127"/>
-                <a:ea typeface="HY견명조" panose="02030600000101010101" pitchFamily="18" charset="-127"/>
-              </a:rPr>
-              <a:t>바른 </a:t>
-            </a:r>
-            <a:r>
-              <a:rPr lang="ko-KR" altLang="en-US" sz="3200" dirty="0" err="1">
-                <a:latin typeface="HY견명조" panose="02030600000101010101" pitchFamily="18" charset="-127"/>
-                <a:ea typeface="HY견명조" panose="02030600000101010101" pitchFamily="18" charset="-127"/>
-              </a:rPr>
-              <a:t>마음챙김</a:t>
-            </a:r>
-            <a:r>
-              <a:rPr lang="en-US" altLang="ko-KR" sz="3200" dirty="0">
-                <a:latin typeface="HY견명조" panose="02030600000101010101" pitchFamily="18" charset="-127"/>
-                <a:ea typeface="HY견명조" panose="02030600000101010101" pitchFamily="18" charset="-127"/>
-              </a:rPr>
-              <a:t>(</a:t>
-            </a:r>
-            <a:r>
-              <a:rPr lang="ko-KR" altLang="en-US" sz="3200" dirty="0">
-                <a:latin typeface="HY견명조" panose="02030600000101010101" pitchFamily="18" charset="-127"/>
-                <a:ea typeface="HY견명조" panose="02030600000101010101" pitchFamily="18" charset="-127"/>
-              </a:rPr>
-              <a:t>正念</a:t>
-            </a:r>
-            <a:r>
-              <a:rPr lang="en-US" altLang="ko-KR" sz="3200" dirty="0">
-                <a:latin typeface="HY견명조" panose="02030600000101010101" pitchFamily="18" charset="-127"/>
-                <a:ea typeface="HY견명조" panose="02030600000101010101" pitchFamily="18" charset="-127"/>
-              </a:rPr>
-              <a:t>), </a:t>
-            </a:r>
-            <a:endParaRPr lang="en-US" altLang="ko-KR" sz="3200" dirty="0">
-              <a:latin typeface="HY견명조" panose="02030600000101010101" pitchFamily="18" charset="-127"/>
-              <a:ea typeface="HY견명조" panose="02030600000101010101" pitchFamily="18" charset="-127"/>
-            </a:endParaRPr>
-          </a:p>
-          <a:p>
-            <a:r>
-              <a:rPr lang="ko-KR" altLang="en-US" sz="3200" dirty="0">
-                <a:latin typeface="HY견명조" panose="02030600000101010101" pitchFamily="18" charset="-127"/>
-                <a:ea typeface="HY견명조" panose="02030600000101010101" pitchFamily="18" charset="-127"/>
-              </a:rPr>
-              <a:t>바른 </a:t>
-            </a:r>
-            <a:r>
-              <a:rPr lang="ko-KR" altLang="en-US" sz="3200" dirty="0">
-                <a:latin typeface="HY견명조" panose="02030600000101010101" pitchFamily="18" charset="-127"/>
-                <a:ea typeface="HY견명조" panose="02030600000101010101" pitchFamily="18" charset="-127"/>
-              </a:rPr>
-              <a:t>선정</a:t>
+              <a:t>바른 선정</a:t>
             </a:r>
             <a:r>
               <a:rPr lang="en-US" altLang="ko-KR" sz="3200" dirty="0">
@@ -3827,13 +4054,914 @@
   <p:clrMapOvr>
     <a:masterClrMapping/>
   </p:clrMapOvr>
-  <p:timing>
-    <p:tnLst>
-      <p:par>
-        <p:cTn id="1" dur="indefinite" restart="never" nodeType="tmRoot"/>
-      </p:par>
-    </p:tnLst>
-  </p:timing>
+</p:sld>
+</file>
+
+<file path=ppt/slides/slide4.xml><?xml version="1.0" encoding="utf-8"?>
+<p:sld xmlns:a="http://schemas.openxmlformats.org/drawingml/2006/main" xmlns:r="http://schemas.openxmlformats.org/officeDocument/2006/relationships" xmlns:p="http://schemas.openxmlformats.org/presentationml/2006/main">
+  <p:cSld>
+    <p:spTree>
+      <p:nvGrpSpPr>
+        <p:cNvPr id="1" name=""/>
+        <p:cNvGrpSpPr/>
+        <p:nvPr/>
+      </p:nvGrpSpPr>
+      <p:grpSpPr>
+        <a:xfrm>
+          <a:off x="0" y="0"/>
+          <a:ext cx="0" cy="0"/>
+          <a:chOff x="0" y="0"/>
+          <a:chExt cx="0" cy="0"/>
+        </a:xfrm>
+      </p:grpSpPr>
+      <p:sp>
+        <p:nvSpPr>
+          <p:cNvPr id="2" name="제목 1"/>
+          <p:cNvSpPr>
+            <a:spLocks noGrp="1"/>
+          </p:cNvSpPr>
+          <p:nvPr>
+            <p:ph type="title"/>
+          </p:nvPr>
+        </p:nvSpPr>
+        <p:spPr>
+          <a:xfrm>
+            <a:off x="387175" y="-66907"/>
+            <a:ext cx="6582337" cy="1325563"/>
+          </a:xfrm>
+        </p:spPr>
+        <p:txBody>
+          <a:bodyPr/>
+          <a:lstStyle/>
+          <a:p>
+            <a:r>
+              <a:rPr lang="ko-KR" altLang="en-US" dirty="0">
+                <a:latin typeface="HY견고딕" panose="02030600000101010101" pitchFamily="18" charset="-127"/>
+                <a:ea typeface="HY견고딕" panose="02030600000101010101" pitchFamily="18" charset="-127"/>
+              </a:rPr>
+              <a:t>팔정도</a:t>
+            </a:r>
+            <a:r>
+              <a:rPr lang="en-US" altLang="ko-KR" dirty="0">
+                <a:latin typeface="HY견고딕" panose="02030600000101010101" pitchFamily="18" charset="-127"/>
+                <a:ea typeface="HY견고딕" panose="02030600000101010101" pitchFamily="18" charset="-127"/>
+              </a:rPr>
+              <a:t>(</a:t>
+            </a:r>
+            <a:r>
+              <a:rPr lang="ko-KR" altLang="en-US" dirty="0">
+                <a:latin typeface="HY견고딕" panose="02030600000101010101" pitchFamily="18" charset="-127"/>
+                <a:ea typeface="HY견고딕" panose="02030600000101010101" pitchFamily="18" charset="-127"/>
+              </a:rPr>
+              <a:t>八正道</a:t>
+            </a:r>
+            <a:r>
+              <a:rPr lang="en-US" altLang="ko-KR" dirty="0">
+                <a:latin typeface="HY견고딕" panose="02030600000101010101" pitchFamily="18" charset="-127"/>
+                <a:ea typeface="HY견고딕" panose="02030600000101010101" pitchFamily="18" charset="-127"/>
+              </a:rPr>
+              <a:t>)</a:t>
+            </a:r>
+            <a:endParaRPr lang="ko-KR" altLang="en-US" dirty="0">
+              <a:latin typeface="HY견고딕" panose="02030600000101010101" pitchFamily="18" charset="-127"/>
+              <a:ea typeface="HY견고딕" panose="02030600000101010101" pitchFamily="18" charset="-127"/>
+            </a:endParaRPr>
+          </a:p>
+        </p:txBody>
+      </p:sp>
+      <p:sp>
+        <p:nvSpPr>
+          <p:cNvPr id="3" name="내용 개체 틀 2"/>
+          <p:cNvSpPr>
+            <a:spLocks noGrp="1"/>
+          </p:cNvSpPr>
+          <p:nvPr>
+            <p:ph idx="1"/>
+          </p:nvPr>
+        </p:nvSpPr>
+        <p:spPr>
+          <a:xfrm>
+            <a:off x="387175" y="1335282"/>
+            <a:ext cx="8421545" cy="5111237"/>
+          </a:xfrm>
+        </p:spPr>
+        <p:txBody>
+          <a:bodyPr>
+            <a:normAutofit/>
+          </a:bodyPr>
+          <a:lstStyle/>
+          <a:p>
+            <a:pPr marL="0" indent="0">
+              <a:buNone/>
+            </a:pPr>
+            <a:r>
+              <a:rPr lang="en-US" altLang="ko-KR" sz="3200" dirty="0">
+                <a:latin typeface="HY견명조" panose="02030600000101010101" pitchFamily="18" charset="-127"/>
+                <a:ea typeface="HY견명조" panose="02030600000101010101" pitchFamily="18" charset="-127"/>
+              </a:rPr>
+              <a:t>1. </a:t>
+            </a:r>
+            <a:r>
+              <a:rPr lang="ko-KR" altLang="en-US" sz="3200" dirty="0">
+                <a:latin typeface="HY견명조" panose="02030600000101010101" pitchFamily="18" charset="-127"/>
+                <a:ea typeface="HY견명조" panose="02030600000101010101" pitchFamily="18" charset="-127"/>
+              </a:rPr>
+              <a:t>바른 견해</a:t>
+            </a:r>
+            <a:r>
+              <a:rPr lang="en-US" altLang="ko-KR" sz="3200" dirty="0">
+                <a:latin typeface="HY견명조" panose="02030600000101010101" pitchFamily="18" charset="-127"/>
+                <a:ea typeface="HY견명조" panose="02030600000101010101" pitchFamily="18" charset="-127"/>
+              </a:rPr>
+              <a:t>(</a:t>
+            </a:r>
+            <a:r>
+              <a:rPr lang="ko-KR" altLang="en-US" sz="3200" dirty="0">
+                <a:latin typeface="HY견명조" panose="02030600000101010101" pitchFamily="18" charset="-127"/>
+                <a:ea typeface="HY견명조" panose="02030600000101010101" pitchFamily="18" charset="-127"/>
+              </a:rPr>
+              <a:t>正見</a:t>
+            </a:r>
+            <a:r>
+              <a:rPr lang="en-US" altLang="ko-KR" sz="3200" dirty="0">
+                <a:latin typeface="HY견명조" panose="02030600000101010101" pitchFamily="18" charset="-127"/>
+                <a:ea typeface="HY견명조" panose="02030600000101010101" pitchFamily="18" charset="-127"/>
+              </a:rPr>
+              <a:t>)</a:t>
+            </a:r>
+            <a:endParaRPr lang="ko-KR" altLang="en-US" sz="3200" dirty="0">
+              <a:latin typeface="HY견명조" panose="02030600000101010101" pitchFamily="18" charset="-127"/>
+              <a:ea typeface="HY견명조" panose="02030600000101010101" pitchFamily="18" charset="-127"/>
+            </a:endParaRPr>
+          </a:p>
+        </p:txBody>
+      </p:sp>
+    </p:spTree>
+    <p:extLst>
+      <p:ext uri="{BB962C8B-B14F-4D97-AF65-F5344CB8AC3E}">
+        <p14:creationId xmlns:p14="http://schemas.microsoft.com/office/powerpoint/2010/main" val="3225169913"/>
+      </p:ext>
+    </p:extLst>
+  </p:cSld>
+  <p:clrMapOvr>
+    <a:masterClrMapping/>
+  </p:clrMapOvr>
+</p:sld>
+</file>
+
+<file path=ppt/slides/slide5.xml><?xml version="1.0" encoding="utf-8"?>
+<p:sld xmlns:a="http://schemas.openxmlformats.org/drawingml/2006/main" xmlns:r="http://schemas.openxmlformats.org/officeDocument/2006/relationships" xmlns:p="http://schemas.openxmlformats.org/presentationml/2006/main">
+  <p:cSld>
+    <p:spTree>
+      <p:nvGrpSpPr>
+        <p:cNvPr id="1" name=""/>
+        <p:cNvGrpSpPr/>
+        <p:nvPr/>
+      </p:nvGrpSpPr>
+      <p:grpSpPr>
+        <a:xfrm>
+          <a:off x="0" y="0"/>
+          <a:ext cx="0" cy="0"/>
+          <a:chOff x="0" y="0"/>
+          <a:chExt cx="0" cy="0"/>
+        </a:xfrm>
+      </p:grpSpPr>
+      <p:sp>
+        <p:nvSpPr>
+          <p:cNvPr id="2" name="제목 1"/>
+          <p:cNvSpPr>
+            <a:spLocks noGrp="1"/>
+          </p:cNvSpPr>
+          <p:nvPr>
+            <p:ph type="title"/>
+          </p:nvPr>
+        </p:nvSpPr>
+        <p:spPr>
+          <a:xfrm>
+            <a:off x="387175" y="-66907"/>
+            <a:ext cx="6582337" cy="1325563"/>
+          </a:xfrm>
+        </p:spPr>
+        <p:txBody>
+          <a:bodyPr/>
+          <a:lstStyle/>
+          <a:p>
+            <a:r>
+              <a:rPr lang="ko-KR" altLang="en-US" dirty="0">
+                <a:latin typeface="HY견고딕" panose="02030600000101010101" pitchFamily="18" charset="-127"/>
+                <a:ea typeface="HY견고딕" panose="02030600000101010101" pitchFamily="18" charset="-127"/>
+              </a:rPr>
+              <a:t>팔정도</a:t>
+            </a:r>
+            <a:r>
+              <a:rPr lang="en-US" altLang="ko-KR" dirty="0">
+                <a:latin typeface="HY견고딕" panose="02030600000101010101" pitchFamily="18" charset="-127"/>
+                <a:ea typeface="HY견고딕" panose="02030600000101010101" pitchFamily="18" charset="-127"/>
+              </a:rPr>
+              <a:t>(</a:t>
+            </a:r>
+            <a:r>
+              <a:rPr lang="ko-KR" altLang="en-US" dirty="0">
+                <a:latin typeface="HY견고딕" panose="02030600000101010101" pitchFamily="18" charset="-127"/>
+                <a:ea typeface="HY견고딕" panose="02030600000101010101" pitchFamily="18" charset="-127"/>
+              </a:rPr>
+              <a:t>八正道</a:t>
+            </a:r>
+            <a:r>
+              <a:rPr lang="en-US" altLang="ko-KR" dirty="0">
+                <a:latin typeface="HY견고딕" panose="02030600000101010101" pitchFamily="18" charset="-127"/>
+                <a:ea typeface="HY견고딕" panose="02030600000101010101" pitchFamily="18" charset="-127"/>
+              </a:rPr>
+              <a:t>)</a:t>
+            </a:r>
+            <a:endParaRPr lang="ko-KR" altLang="en-US" dirty="0">
+              <a:latin typeface="HY견고딕" panose="02030600000101010101" pitchFamily="18" charset="-127"/>
+              <a:ea typeface="HY견고딕" panose="02030600000101010101" pitchFamily="18" charset="-127"/>
+            </a:endParaRPr>
+          </a:p>
+        </p:txBody>
+      </p:sp>
+      <p:sp>
+        <p:nvSpPr>
+          <p:cNvPr id="3" name="내용 개체 틀 2"/>
+          <p:cNvSpPr>
+            <a:spLocks noGrp="1"/>
+          </p:cNvSpPr>
+          <p:nvPr>
+            <p:ph idx="1"/>
+          </p:nvPr>
+        </p:nvSpPr>
+        <p:spPr>
+          <a:xfrm>
+            <a:off x="387175" y="1335282"/>
+            <a:ext cx="8421545" cy="5111237"/>
+          </a:xfrm>
+        </p:spPr>
+        <p:txBody>
+          <a:bodyPr>
+            <a:normAutofit/>
+          </a:bodyPr>
+          <a:lstStyle/>
+          <a:p>
+            <a:pPr marL="0" indent="0">
+              <a:buNone/>
+            </a:pPr>
+            <a:r>
+              <a:rPr lang="en-US" altLang="ko-KR" sz="3200" dirty="0">
+                <a:latin typeface="HY견명조" panose="02030600000101010101" pitchFamily="18" charset="-127"/>
+                <a:ea typeface="HY견명조" panose="02030600000101010101" pitchFamily="18" charset="-127"/>
+              </a:rPr>
+              <a:t>2. </a:t>
+            </a:r>
+            <a:r>
+              <a:rPr lang="ko-KR" altLang="en-US" sz="3200" dirty="0">
+                <a:latin typeface="HY견명조" panose="02030600000101010101" pitchFamily="18" charset="-127"/>
+                <a:ea typeface="HY견명조" panose="02030600000101010101" pitchFamily="18" charset="-127"/>
+              </a:rPr>
+              <a:t>바른 사유</a:t>
+            </a:r>
+            <a:r>
+              <a:rPr lang="en-US" altLang="ko-KR" sz="3200" dirty="0">
+                <a:latin typeface="HY견명조" panose="02030600000101010101" pitchFamily="18" charset="-127"/>
+                <a:ea typeface="HY견명조" panose="02030600000101010101" pitchFamily="18" charset="-127"/>
+              </a:rPr>
+              <a:t>(</a:t>
+            </a:r>
+            <a:r>
+              <a:rPr lang="ko-KR" altLang="en-US" sz="3200" dirty="0">
+                <a:latin typeface="HY견명조" panose="02030600000101010101" pitchFamily="18" charset="-127"/>
+                <a:ea typeface="HY견명조" panose="02030600000101010101" pitchFamily="18" charset="-127"/>
+              </a:rPr>
+              <a:t>正思惟</a:t>
+            </a:r>
+            <a:r>
+              <a:rPr lang="en-US" altLang="ko-KR" sz="3200" dirty="0">
+                <a:latin typeface="HY견명조" panose="02030600000101010101" pitchFamily="18" charset="-127"/>
+                <a:ea typeface="HY견명조" panose="02030600000101010101" pitchFamily="18" charset="-127"/>
+              </a:rPr>
+              <a:t>)</a:t>
+            </a:r>
+            <a:endParaRPr lang="ko-KR" altLang="en-US" sz="3200" dirty="0">
+              <a:latin typeface="HY견명조" panose="02030600000101010101" pitchFamily="18" charset="-127"/>
+              <a:ea typeface="HY견명조" panose="02030600000101010101" pitchFamily="18" charset="-127"/>
+            </a:endParaRPr>
+          </a:p>
+        </p:txBody>
+      </p:sp>
+    </p:spTree>
+    <p:extLst>
+      <p:ext uri="{BB962C8B-B14F-4D97-AF65-F5344CB8AC3E}">
+        <p14:creationId xmlns:p14="http://schemas.microsoft.com/office/powerpoint/2010/main" val="2264919916"/>
+      </p:ext>
+    </p:extLst>
+  </p:cSld>
+  <p:clrMapOvr>
+    <a:masterClrMapping/>
+  </p:clrMapOvr>
+</p:sld>
+</file>
+
+<file path=ppt/slides/slide6.xml><?xml version="1.0" encoding="utf-8"?>
+<p:sld xmlns:a="http://schemas.openxmlformats.org/drawingml/2006/main" xmlns:r="http://schemas.openxmlformats.org/officeDocument/2006/relationships" xmlns:p="http://schemas.openxmlformats.org/presentationml/2006/main">
+  <p:cSld>
+    <p:spTree>
+      <p:nvGrpSpPr>
+        <p:cNvPr id="1" name=""/>
+        <p:cNvGrpSpPr/>
+        <p:nvPr/>
+      </p:nvGrpSpPr>
+      <p:grpSpPr>
+        <a:xfrm>
+          <a:off x="0" y="0"/>
+          <a:ext cx="0" cy="0"/>
+          <a:chOff x="0" y="0"/>
+          <a:chExt cx="0" cy="0"/>
+        </a:xfrm>
+      </p:grpSpPr>
+      <p:sp>
+        <p:nvSpPr>
+          <p:cNvPr id="2" name="제목 1"/>
+          <p:cNvSpPr>
+            <a:spLocks noGrp="1"/>
+          </p:cNvSpPr>
+          <p:nvPr>
+            <p:ph type="title"/>
+          </p:nvPr>
+        </p:nvSpPr>
+        <p:spPr>
+          <a:xfrm>
+            <a:off x="387175" y="-66907"/>
+            <a:ext cx="6582337" cy="1325563"/>
+          </a:xfrm>
+        </p:spPr>
+        <p:txBody>
+          <a:bodyPr/>
+          <a:lstStyle/>
+          <a:p>
+            <a:r>
+              <a:rPr lang="ko-KR" altLang="en-US" dirty="0">
+                <a:latin typeface="HY견고딕" panose="02030600000101010101" pitchFamily="18" charset="-127"/>
+                <a:ea typeface="HY견고딕" panose="02030600000101010101" pitchFamily="18" charset="-127"/>
+              </a:rPr>
+              <a:t>팔정도</a:t>
+            </a:r>
+            <a:r>
+              <a:rPr lang="en-US" altLang="ko-KR" dirty="0">
+                <a:latin typeface="HY견고딕" panose="02030600000101010101" pitchFamily="18" charset="-127"/>
+                <a:ea typeface="HY견고딕" panose="02030600000101010101" pitchFamily="18" charset="-127"/>
+              </a:rPr>
+              <a:t>(</a:t>
+            </a:r>
+            <a:r>
+              <a:rPr lang="ko-KR" altLang="en-US" dirty="0">
+                <a:latin typeface="HY견고딕" panose="02030600000101010101" pitchFamily="18" charset="-127"/>
+                <a:ea typeface="HY견고딕" panose="02030600000101010101" pitchFamily="18" charset="-127"/>
+              </a:rPr>
+              <a:t>八正道</a:t>
+            </a:r>
+            <a:r>
+              <a:rPr lang="en-US" altLang="ko-KR" dirty="0">
+                <a:latin typeface="HY견고딕" panose="02030600000101010101" pitchFamily="18" charset="-127"/>
+                <a:ea typeface="HY견고딕" panose="02030600000101010101" pitchFamily="18" charset="-127"/>
+              </a:rPr>
+              <a:t>)</a:t>
+            </a:r>
+            <a:endParaRPr lang="ko-KR" altLang="en-US" dirty="0">
+              <a:latin typeface="HY견고딕" panose="02030600000101010101" pitchFamily="18" charset="-127"/>
+              <a:ea typeface="HY견고딕" panose="02030600000101010101" pitchFamily="18" charset="-127"/>
+            </a:endParaRPr>
+          </a:p>
+        </p:txBody>
+      </p:sp>
+      <p:sp>
+        <p:nvSpPr>
+          <p:cNvPr id="3" name="내용 개체 틀 2"/>
+          <p:cNvSpPr>
+            <a:spLocks noGrp="1"/>
+          </p:cNvSpPr>
+          <p:nvPr>
+            <p:ph idx="1"/>
+          </p:nvPr>
+        </p:nvSpPr>
+        <p:spPr>
+          <a:xfrm>
+            <a:off x="387175" y="1335282"/>
+            <a:ext cx="8421545" cy="5111237"/>
+          </a:xfrm>
+        </p:spPr>
+        <p:txBody>
+          <a:bodyPr>
+            <a:normAutofit/>
+          </a:bodyPr>
+          <a:lstStyle/>
+          <a:p>
+            <a:pPr marL="0" indent="0">
+              <a:buNone/>
+            </a:pPr>
+            <a:r>
+              <a:rPr lang="en-US" altLang="ko-KR" sz="3200" dirty="0">
+                <a:latin typeface="HY견명조" panose="02030600000101010101" pitchFamily="18" charset="-127"/>
+                <a:ea typeface="HY견명조" panose="02030600000101010101" pitchFamily="18" charset="-127"/>
+              </a:rPr>
+              <a:t>3. </a:t>
+            </a:r>
+            <a:r>
+              <a:rPr lang="ko-KR" altLang="en-US" sz="3200" dirty="0">
+                <a:latin typeface="HY견명조" panose="02030600000101010101" pitchFamily="18" charset="-127"/>
+                <a:ea typeface="HY견명조" panose="02030600000101010101" pitchFamily="18" charset="-127"/>
+              </a:rPr>
+              <a:t>바른 말</a:t>
+            </a:r>
+            <a:r>
+              <a:rPr lang="en-US" altLang="ko-KR" sz="3200" dirty="0">
+                <a:latin typeface="HY견명조" panose="02030600000101010101" pitchFamily="18" charset="-127"/>
+                <a:ea typeface="HY견명조" panose="02030600000101010101" pitchFamily="18" charset="-127"/>
+              </a:rPr>
+              <a:t>(</a:t>
+            </a:r>
+            <a:r>
+              <a:rPr lang="ko-KR" altLang="en-US" sz="3200" dirty="0">
+                <a:latin typeface="HY견명조" panose="02030600000101010101" pitchFamily="18" charset="-127"/>
+                <a:ea typeface="HY견명조" panose="02030600000101010101" pitchFamily="18" charset="-127"/>
+              </a:rPr>
+              <a:t>正語</a:t>
+            </a:r>
+            <a:r>
+              <a:rPr lang="en-US" altLang="ko-KR" sz="3200" dirty="0">
+                <a:latin typeface="HY견명조" panose="02030600000101010101" pitchFamily="18" charset="-127"/>
+                <a:ea typeface="HY견명조" panose="02030600000101010101" pitchFamily="18" charset="-127"/>
+              </a:rPr>
+              <a:t>)</a:t>
+            </a:r>
+            <a:endParaRPr lang="ko-KR" altLang="en-US" sz="3200" dirty="0">
+              <a:latin typeface="HY견명조" panose="02030600000101010101" pitchFamily="18" charset="-127"/>
+              <a:ea typeface="HY견명조" panose="02030600000101010101" pitchFamily="18" charset="-127"/>
+            </a:endParaRPr>
+          </a:p>
+        </p:txBody>
+      </p:sp>
+    </p:spTree>
+    <p:extLst>
+      <p:ext uri="{BB962C8B-B14F-4D97-AF65-F5344CB8AC3E}">
+        <p14:creationId xmlns:p14="http://schemas.microsoft.com/office/powerpoint/2010/main" val="265776470"/>
+      </p:ext>
+    </p:extLst>
+  </p:cSld>
+  <p:clrMapOvr>
+    <a:masterClrMapping/>
+  </p:clrMapOvr>
+</p:sld>
+</file>
+
+<file path=ppt/slides/slide7.xml><?xml version="1.0" encoding="utf-8"?>
+<p:sld xmlns:a="http://schemas.openxmlformats.org/drawingml/2006/main" xmlns:r="http://schemas.openxmlformats.org/officeDocument/2006/relationships" xmlns:p="http://schemas.openxmlformats.org/presentationml/2006/main">
+  <p:cSld>
+    <p:spTree>
+      <p:nvGrpSpPr>
+        <p:cNvPr id="1" name=""/>
+        <p:cNvGrpSpPr/>
+        <p:nvPr/>
+      </p:nvGrpSpPr>
+      <p:grpSpPr>
+        <a:xfrm>
+          <a:off x="0" y="0"/>
+          <a:ext cx="0" cy="0"/>
+          <a:chOff x="0" y="0"/>
+          <a:chExt cx="0" cy="0"/>
+        </a:xfrm>
+      </p:grpSpPr>
+      <p:sp>
+        <p:nvSpPr>
+          <p:cNvPr id="2" name="제목 1"/>
+          <p:cNvSpPr>
+            <a:spLocks noGrp="1"/>
+          </p:cNvSpPr>
+          <p:nvPr>
+            <p:ph type="title"/>
+          </p:nvPr>
+        </p:nvSpPr>
+        <p:spPr>
+          <a:xfrm>
+            <a:off x="387175" y="-66907"/>
+            <a:ext cx="6582337" cy="1325563"/>
+          </a:xfrm>
+        </p:spPr>
+        <p:txBody>
+          <a:bodyPr/>
+          <a:lstStyle/>
+          <a:p>
+            <a:r>
+              <a:rPr lang="ko-KR" altLang="en-US" dirty="0">
+                <a:latin typeface="HY견고딕" panose="02030600000101010101" pitchFamily="18" charset="-127"/>
+                <a:ea typeface="HY견고딕" panose="02030600000101010101" pitchFamily="18" charset="-127"/>
+              </a:rPr>
+              <a:t>팔정도</a:t>
+            </a:r>
+            <a:r>
+              <a:rPr lang="en-US" altLang="ko-KR" dirty="0">
+                <a:latin typeface="HY견고딕" panose="02030600000101010101" pitchFamily="18" charset="-127"/>
+                <a:ea typeface="HY견고딕" panose="02030600000101010101" pitchFamily="18" charset="-127"/>
+              </a:rPr>
+              <a:t>(</a:t>
+            </a:r>
+            <a:r>
+              <a:rPr lang="ko-KR" altLang="en-US" dirty="0">
+                <a:latin typeface="HY견고딕" panose="02030600000101010101" pitchFamily="18" charset="-127"/>
+                <a:ea typeface="HY견고딕" panose="02030600000101010101" pitchFamily="18" charset="-127"/>
+              </a:rPr>
+              <a:t>八正道</a:t>
+            </a:r>
+            <a:r>
+              <a:rPr lang="en-US" altLang="ko-KR" dirty="0">
+                <a:latin typeface="HY견고딕" panose="02030600000101010101" pitchFamily="18" charset="-127"/>
+                <a:ea typeface="HY견고딕" panose="02030600000101010101" pitchFamily="18" charset="-127"/>
+              </a:rPr>
+              <a:t>)</a:t>
+            </a:r>
+            <a:endParaRPr lang="ko-KR" altLang="en-US" dirty="0">
+              <a:latin typeface="HY견고딕" panose="02030600000101010101" pitchFamily="18" charset="-127"/>
+              <a:ea typeface="HY견고딕" panose="02030600000101010101" pitchFamily="18" charset="-127"/>
+            </a:endParaRPr>
+          </a:p>
+        </p:txBody>
+      </p:sp>
+      <p:sp>
+        <p:nvSpPr>
+          <p:cNvPr id="3" name="내용 개체 틀 2"/>
+          <p:cNvSpPr>
+            <a:spLocks noGrp="1"/>
+          </p:cNvSpPr>
+          <p:nvPr>
+            <p:ph idx="1"/>
+          </p:nvPr>
+        </p:nvSpPr>
+        <p:spPr>
+          <a:xfrm>
+            <a:off x="387175" y="1335282"/>
+            <a:ext cx="8421545" cy="5111237"/>
+          </a:xfrm>
+        </p:spPr>
+        <p:txBody>
+          <a:bodyPr>
+            <a:normAutofit/>
+          </a:bodyPr>
+          <a:lstStyle/>
+          <a:p>
+            <a:pPr marL="0" indent="0">
+              <a:buNone/>
+            </a:pPr>
+            <a:r>
+              <a:rPr lang="en-US" altLang="ko-KR" sz="3200" dirty="0">
+                <a:latin typeface="HY견명조" panose="02030600000101010101" pitchFamily="18" charset="-127"/>
+                <a:ea typeface="HY견명조" panose="02030600000101010101" pitchFamily="18" charset="-127"/>
+              </a:rPr>
+              <a:t>4. </a:t>
+            </a:r>
+            <a:r>
+              <a:rPr lang="ko-KR" altLang="en-US" sz="3200" dirty="0">
+                <a:latin typeface="HY견명조" panose="02030600000101010101" pitchFamily="18" charset="-127"/>
+                <a:ea typeface="HY견명조" panose="02030600000101010101" pitchFamily="18" charset="-127"/>
+              </a:rPr>
+              <a:t>바른 행위</a:t>
+            </a:r>
+            <a:r>
+              <a:rPr lang="en-US" altLang="ko-KR" sz="3200" dirty="0">
+                <a:latin typeface="HY견명조" panose="02030600000101010101" pitchFamily="18" charset="-127"/>
+                <a:ea typeface="HY견명조" panose="02030600000101010101" pitchFamily="18" charset="-127"/>
+              </a:rPr>
+              <a:t>(</a:t>
+            </a:r>
+            <a:r>
+              <a:rPr lang="ko-KR" altLang="en-US" sz="3200" dirty="0">
+                <a:latin typeface="HY견명조" panose="02030600000101010101" pitchFamily="18" charset="-127"/>
+                <a:ea typeface="HY견명조" panose="02030600000101010101" pitchFamily="18" charset="-127"/>
+              </a:rPr>
+              <a:t>正業</a:t>
+            </a:r>
+            <a:r>
+              <a:rPr lang="en-US" altLang="ko-KR" sz="3200" dirty="0">
+                <a:latin typeface="HY견명조" panose="02030600000101010101" pitchFamily="18" charset="-127"/>
+                <a:ea typeface="HY견명조" panose="02030600000101010101" pitchFamily="18" charset="-127"/>
+              </a:rPr>
+              <a:t>)</a:t>
+            </a:r>
+            <a:endParaRPr lang="ko-KR" altLang="en-US" sz="3200" dirty="0">
+              <a:latin typeface="HY견명조" panose="02030600000101010101" pitchFamily="18" charset="-127"/>
+              <a:ea typeface="HY견명조" panose="02030600000101010101" pitchFamily="18" charset="-127"/>
+            </a:endParaRPr>
+          </a:p>
+        </p:txBody>
+      </p:sp>
+    </p:spTree>
+    <p:extLst>
+      <p:ext uri="{BB962C8B-B14F-4D97-AF65-F5344CB8AC3E}">
+        <p14:creationId xmlns:p14="http://schemas.microsoft.com/office/powerpoint/2010/main" val="1064539021"/>
+      </p:ext>
+    </p:extLst>
+  </p:cSld>
+  <p:clrMapOvr>
+    <a:masterClrMapping/>
+  </p:clrMapOvr>
+</p:sld>
+</file>
+
+<file path=ppt/slides/slide8.xml><?xml version="1.0" encoding="utf-8"?>
+<p:sld xmlns:a="http://schemas.openxmlformats.org/drawingml/2006/main" xmlns:r="http://schemas.openxmlformats.org/officeDocument/2006/relationships" xmlns:p="http://schemas.openxmlformats.org/presentationml/2006/main">
+  <p:cSld>
+    <p:spTree>
+      <p:nvGrpSpPr>
+        <p:cNvPr id="1" name=""/>
+        <p:cNvGrpSpPr/>
+        <p:nvPr/>
+      </p:nvGrpSpPr>
+      <p:grpSpPr>
+        <a:xfrm>
+          <a:off x="0" y="0"/>
+          <a:ext cx="0" cy="0"/>
+          <a:chOff x="0" y="0"/>
+          <a:chExt cx="0" cy="0"/>
+        </a:xfrm>
+      </p:grpSpPr>
+      <p:sp>
+        <p:nvSpPr>
+          <p:cNvPr id="2" name="제목 1"/>
+          <p:cNvSpPr>
+            <a:spLocks noGrp="1"/>
+          </p:cNvSpPr>
+          <p:nvPr>
+            <p:ph type="title"/>
+          </p:nvPr>
+        </p:nvSpPr>
+        <p:spPr>
+          <a:xfrm>
+            <a:off x="387175" y="-66907"/>
+            <a:ext cx="6582337" cy="1325563"/>
+          </a:xfrm>
+        </p:spPr>
+        <p:txBody>
+          <a:bodyPr/>
+          <a:lstStyle/>
+          <a:p>
+            <a:r>
+              <a:rPr lang="ko-KR" altLang="en-US" dirty="0">
+                <a:latin typeface="HY견고딕" panose="02030600000101010101" pitchFamily="18" charset="-127"/>
+                <a:ea typeface="HY견고딕" panose="02030600000101010101" pitchFamily="18" charset="-127"/>
+              </a:rPr>
+              <a:t>팔정도</a:t>
+            </a:r>
+            <a:r>
+              <a:rPr lang="en-US" altLang="ko-KR" dirty="0">
+                <a:latin typeface="HY견고딕" panose="02030600000101010101" pitchFamily="18" charset="-127"/>
+                <a:ea typeface="HY견고딕" panose="02030600000101010101" pitchFamily="18" charset="-127"/>
+              </a:rPr>
+              <a:t>(</a:t>
+            </a:r>
+            <a:r>
+              <a:rPr lang="ko-KR" altLang="en-US" dirty="0">
+                <a:latin typeface="HY견고딕" panose="02030600000101010101" pitchFamily="18" charset="-127"/>
+                <a:ea typeface="HY견고딕" panose="02030600000101010101" pitchFamily="18" charset="-127"/>
+              </a:rPr>
+              <a:t>八正道</a:t>
+            </a:r>
+            <a:r>
+              <a:rPr lang="en-US" altLang="ko-KR" dirty="0">
+                <a:latin typeface="HY견고딕" panose="02030600000101010101" pitchFamily="18" charset="-127"/>
+                <a:ea typeface="HY견고딕" panose="02030600000101010101" pitchFamily="18" charset="-127"/>
+              </a:rPr>
+              <a:t>)</a:t>
+            </a:r>
+            <a:endParaRPr lang="ko-KR" altLang="en-US" dirty="0">
+              <a:latin typeface="HY견고딕" panose="02030600000101010101" pitchFamily="18" charset="-127"/>
+              <a:ea typeface="HY견고딕" panose="02030600000101010101" pitchFamily="18" charset="-127"/>
+            </a:endParaRPr>
+          </a:p>
+        </p:txBody>
+      </p:sp>
+      <p:sp>
+        <p:nvSpPr>
+          <p:cNvPr id="3" name="내용 개체 틀 2"/>
+          <p:cNvSpPr>
+            <a:spLocks noGrp="1"/>
+          </p:cNvSpPr>
+          <p:nvPr>
+            <p:ph idx="1"/>
+          </p:nvPr>
+        </p:nvSpPr>
+        <p:spPr>
+          <a:xfrm>
+            <a:off x="387175" y="1335282"/>
+            <a:ext cx="8421545" cy="5111237"/>
+          </a:xfrm>
+        </p:spPr>
+        <p:txBody>
+          <a:bodyPr>
+            <a:normAutofit/>
+          </a:bodyPr>
+          <a:lstStyle/>
+          <a:p>
+            <a:pPr marL="0" indent="0">
+              <a:buNone/>
+            </a:pPr>
+            <a:r>
+              <a:rPr lang="en-US" altLang="ko-KR" sz="3200" dirty="0">
+                <a:latin typeface="HY견명조" panose="02030600000101010101" pitchFamily="18" charset="-127"/>
+                <a:ea typeface="HY견명조" panose="02030600000101010101" pitchFamily="18" charset="-127"/>
+              </a:rPr>
+              <a:t>5. </a:t>
+            </a:r>
+            <a:r>
+              <a:rPr lang="ko-KR" altLang="en-US" sz="3200" dirty="0">
+                <a:latin typeface="HY견명조" panose="02030600000101010101" pitchFamily="18" charset="-127"/>
+                <a:ea typeface="HY견명조" panose="02030600000101010101" pitchFamily="18" charset="-127"/>
+              </a:rPr>
+              <a:t>바른 생활</a:t>
+            </a:r>
+            <a:r>
+              <a:rPr lang="en-US" altLang="ko-KR" sz="3200" dirty="0">
+                <a:latin typeface="HY견명조" panose="02030600000101010101" pitchFamily="18" charset="-127"/>
+                <a:ea typeface="HY견명조" panose="02030600000101010101" pitchFamily="18" charset="-127"/>
+              </a:rPr>
+              <a:t>(</a:t>
+            </a:r>
+            <a:r>
+              <a:rPr lang="ko-KR" altLang="en-US" sz="3200" dirty="0">
+                <a:latin typeface="HY견명조" panose="02030600000101010101" pitchFamily="18" charset="-127"/>
+                <a:ea typeface="HY견명조" panose="02030600000101010101" pitchFamily="18" charset="-127"/>
+              </a:rPr>
+              <a:t>正命</a:t>
+            </a:r>
+            <a:r>
+              <a:rPr lang="en-US" altLang="ko-KR" sz="3200" dirty="0">
+                <a:latin typeface="HY견명조" panose="02030600000101010101" pitchFamily="18" charset="-127"/>
+                <a:ea typeface="HY견명조" panose="02030600000101010101" pitchFamily="18" charset="-127"/>
+              </a:rPr>
+              <a:t>) </a:t>
+            </a:r>
+          </a:p>
+        </p:txBody>
+      </p:sp>
+    </p:spTree>
+    <p:extLst>
+      <p:ext uri="{BB962C8B-B14F-4D97-AF65-F5344CB8AC3E}">
+        <p14:creationId xmlns:p14="http://schemas.microsoft.com/office/powerpoint/2010/main" val="2534034503"/>
+      </p:ext>
+    </p:extLst>
+  </p:cSld>
+  <p:clrMapOvr>
+    <a:masterClrMapping/>
+  </p:clrMapOvr>
+</p:sld>
+</file>
+
+<file path=ppt/slides/slide9.xml><?xml version="1.0" encoding="utf-8"?>
+<p:sld xmlns:a="http://schemas.openxmlformats.org/drawingml/2006/main" xmlns:r="http://schemas.openxmlformats.org/officeDocument/2006/relationships" xmlns:p="http://schemas.openxmlformats.org/presentationml/2006/main">
+  <p:cSld>
+    <p:spTree>
+      <p:nvGrpSpPr>
+        <p:cNvPr id="1" name=""/>
+        <p:cNvGrpSpPr/>
+        <p:nvPr/>
+      </p:nvGrpSpPr>
+      <p:grpSpPr>
+        <a:xfrm>
+          <a:off x="0" y="0"/>
+          <a:ext cx="0" cy="0"/>
+          <a:chOff x="0" y="0"/>
+          <a:chExt cx="0" cy="0"/>
+        </a:xfrm>
+      </p:grpSpPr>
+      <p:sp>
+        <p:nvSpPr>
+          <p:cNvPr id="2" name="제목 1"/>
+          <p:cNvSpPr>
+            <a:spLocks noGrp="1"/>
+          </p:cNvSpPr>
+          <p:nvPr>
+            <p:ph type="title"/>
+          </p:nvPr>
+        </p:nvSpPr>
+        <p:spPr>
+          <a:xfrm>
+            <a:off x="387175" y="-66907"/>
+            <a:ext cx="6582337" cy="1325563"/>
+          </a:xfrm>
+        </p:spPr>
+        <p:txBody>
+          <a:bodyPr/>
+          <a:lstStyle/>
+          <a:p>
+            <a:r>
+              <a:rPr lang="ko-KR" altLang="en-US" dirty="0">
+                <a:latin typeface="HY견고딕" panose="02030600000101010101" pitchFamily="18" charset="-127"/>
+                <a:ea typeface="HY견고딕" panose="02030600000101010101" pitchFamily="18" charset="-127"/>
+              </a:rPr>
+              <a:t>팔정도</a:t>
+            </a:r>
+            <a:r>
+              <a:rPr lang="en-US" altLang="ko-KR" dirty="0">
+                <a:latin typeface="HY견고딕" panose="02030600000101010101" pitchFamily="18" charset="-127"/>
+                <a:ea typeface="HY견고딕" panose="02030600000101010101" pitchFamily="18" charset="-127"/>
+              </a:rPr>
+              <a:t>(</a:t>
+            </a:r>
+            <a:r>
+              <a:rPr lang="ko-KR" altLang="en-US" dirty="0">
+                <a:latin typeface="HY견고딕" panose="02030600000101010101" pitchFamily="18" charset="-127"/>
+                <a:ea typeface="HY견고딕" panose="02030600000101010101" pitchFamily="18" charset="-127"/>
+              </a:rPr>
+              <a:t>八正道</a:t>
+            </a:r>
+            <a:r>
+              <a:rPr lang="en-US" altLang="ko-KR" dirty="0">
+                <a:latin typeface="HY견고딕" panose="02030600000101010101" pitchFamily="18" charset="-127"/>
+                <a:ea typeface="HY견고딕" panose="02030600000101010101" pitchFamily="18" charset="-127"/>
+              </a:rPr>
+              <a:t>)</a:t>
+            </a:r>
+            <a:endParaRPr lang="ko-KR" altLang="en-US" dirty="0">
+              <a:latin typeface="HY견고딕" panose="02030600000101010101" pitchFamily="18" charset="-127"/>
+              <a:ea typeface="HY견고딕" panose="02030600000101010101" pitchFamily="18" charset="-127"/>
+            </a:endParaRPr>
+          </a:p>
+        </p:txBody>
+      </p:sp>
+      <p:sp>
+        <p:nvSpPr>
+          <p:cNvPr id="3" name="내용 개체 틀 2"/>
+          <p:cNvSpPr>
+            <a:spLocks noGrp="1"/>
+          </p:cNvSpPr>
+          <p:nvPr>
+            <p:ph idx="1"/>
+          </p:nvPr>
+        </p:nvSpPr>
+        <p:spPr>
+          <a:xfrm>
+            <a:off x="387175" y="1335282"/>
+            <a:ext cx="8421545" cy="5111237"/>
+          </a:xfrm>
+        </p:spPr>
+        <p:txBody>
+          <a:bodyPr>
+            <a:normAutofit/>
+          </a:bodyPr>
+          <a:lstStyle/>
+          <a:p>
+            <a:pPr marL="0" indent="0">
+              <a:buNone/>
+            </a:pPr>
+            <a:r>
+              <a:rPr lang="en-US" altLang="ko-KR" sz="3200" dirty="0">
+                <a:latin typeface="HY견명조" panose="02030600000101010101" pitchFamily="18" charset="-127"/>
+                <a:ea typeface="HY견명조" panose="02030600000101010101" pitchFamily="18" charset="-127"/>
+              </a:rPr>
+              <a:t>6. </a:t>
+            </a:r>
+            <a:r>
+              <a:rPr lang="ko-KR" altLang="en-US" sz="3200" dirty="0">
+                <a:latin typeface="HY견명조" panose="02030600000101010101" pitchFamily="18" charset="-127"/>
+                <a:ea typeface="HY견명조" panose="02030600000101010101" pitchFamily="18" charset="-127"/>
+              </a:rPr>
+              <a:t>바른 노력</a:t>
+            </a:r>
+            <a:r>
+              <a:rPr lang="en-US" altLang="ko-KR" sz="3200" dirty="0">
+                <a:latin typeface="HY견명조" panose="02030600000101010101" pitchFamily="18" charset="-127"/>
+                <a:ea typeface="HY견명조" panose="02030600000101010101" pitchFamily="18" charset="-127"/>
+              </a:rPr>
+              <a:t>(</a:t>
+            </a:r>
+            <a:r>
+              <a:rPr lang="ko-KR" altLang="en-US" sz="3200" dirty="0">
+                <a:latin typeface="HY견명조" panose="02030600000101010101" pitchFamily="18" charset="-127"/>
+                <a:ea typeface="HY견명조" panose="02030600000101010101" pitchFamily="18" charset="-127"/>
+              </a:rPr>
+              <a:t>正精進</a:t>
+            </a:r>
+            <a:r>
+              <a:rPr lang="en-US" altLang="ko-KR" sz="3200" dirty="0">
+                <a:latin typeface="HY견명조" panose="02030600000101010101" pitchFamily="18" charset="-127"/>
+                <a:ea typeface="HY견명조" panose="02030600000101010101" pitchFamily="18" charset="-127"/>
+              </a:rPr>
+              <a:t>)</a:t>
+            </a:r>
+            <a:endParaRPr lang="ko-KR" altLang="en-US" sz="3200" dirty="0">
+              <a:latin typeface="HY견명조" panose="02030600000101010101" pitchFamily="18" charset="-127"/>
+              <a:ea typeface="HY견명조" panose="02030600000101010101" pitchFamily="18" charset="-127"/>
+            </a:endParaRPr>
+          </a:p>
+        </p:txBody>
+      </p:sp>
+    </p:spTree>
+    <p:extLst>
+      <p:ext uri="{BB962C8B-B14F-4D97-AF65-F5344CB8AC3E}">
+        <p14:creationId xmlns:p14="http://schemas.microsoft.com/office/powerpoint/2010/main" val="4240159000"/>
+      </p:ext>
+    </p:extLst>
+  </p:cSld>
+  <p:clrMapOvr>
+    <a:masterClrMapping/>
+  </p:clrMapOvr>
 </p:sld>
 </file>
 
